--- a/EXCEL0929.pptx
+++ b/EXCEL0929.pptx
@@ -8,6 +8,8 @@
     <p:sldId id="256" r:id="rId2"/>
     <p:sldId id="257" r:id="rId3"/>
     <p:sldId id="258" r:id="rId4"/>
+    <p:sldId id="259" r:id="rId5"/>
+    <p:sldId id="260" r:id="rId6"/>
   </p:sldIdLst>
   <p:sldSz cx="12192000" cy="6858000"/>
   <p:notesSz cx="6858000" cy="9144000"/>
@@ -106,6 +108,11 @@
       </a:defRPr>
     </a:lvl9pPr>
   </p:defaultTextStyle>
+  <p:extLst>
+    <p:ext uri="{EFAFB233-063F-42B5-8137-9DF3F51BA10A}">
+      <p15:sldGuideLst xmlns:p15="http://schemas.microsoft.com/office/powerpoint/2012/main"/>
+    </p:ext>
+  </p:extLst>
 </p:presentation>
 </file>
 
@@ -3160,7 +3167,7 @@
         <p:spPr>
           <a:xfrm>
             <a:off x="6588690" y="2981521"/>
-            <a:ext cx="4765110" cy="369332"/>
+            <a:ext cx="4765110" cy="1200329"/>
           </a:xfrm>
           <a:prstGeom prst="rect">
             <a:avLst/>
@@ -3221,6 +3228,58 @@
                 <a:ea typeface="微軟正黑體" panose="020B0604030504040204" pitchFamily="34" charset="-120"/>
               </a:rPr>
               <a:t>)</a:t>
+            </a:r>
+          </a:p>
+          <a:p>
+            <a:endParaRPr lang="en-US" altLang="zh-TW" dirty="0">
+              <a:latin typeface="微軟正黑體" panose="020B0604030504040204" pitchFamily="34" charset="-120"/>
+              <a:ea typeface="微軟正黑體" panose="020B0604030504040204" pitchFamily="34" charset="-120"/>
+            </a:endParaRPr>
+          </a:p>
+          <a:p>
+            <a:r>
+              <a:rPr lang="en-US" altLang="zh-TW" dirty="0">
+                <a:latin typeface="微軟正黑體" panose="020B0604030504040204" pitchFamily="34" charset="-120"/>
+                <a:ea typeface="微軟正黑體" panose="020B0604030504040204" pitchFamily="34" charset="-120"/>
+              </a:rPr>
+              <a:t>=</a:t>
+            </a:r>
+            <a:r>
+              <a:rPr lang="en-US" altLang="zh-TW" dirty="0" smtClean="0">
+                <a:latin typeface="微軟正黑體" panose="020B0604030504040204" pitchFamily="34" charset="-120"/>
+                <a:ea typeface="微軟正黑體" panose="020B0604030504040204" pitchFamily="34" charset="-120"/>
+              </a:rPr>
+              <a:t>COUNTIF(A$2:A$51,E2)</a:t>
+            </a:r>
+          </a:p>
+          <a:p>
+            <a:r>
+              <a:rPr lang="en-US" altLang="zh-TW" dirty="0" smtClean="0">
+                <a:latin typeface="微軟正黑體" panose="020B0604030504040204" pitchFamily="34" charset="-120"/>
+                <a:ea typeface="微軟正黑體" panose="020B0604030504040204" pitchFamily="34" charset="-120"/>
+              </a:rPr>
+              <a:t>$</a:t>
+            </a:r>
+            <a:r>
+              <a:rPr lang="zh-TW" altLang="en-US" dirty="0" smtClean="0">
+                <a:latin typeface="微軟正黑體" panose="020B0604030504040204" pitchFamily="34" charset="-120"/>
+                <a:ea typeface="微軟正黑體" panose="020B0604030504040204" pitchFamily="34" charset="-120"/>
+              </a:rPr>
+              <a:t>可固定範圍</a:t>
+            </a:r>
+            <a:r>
+              <a:rPr lang="en-US" altLang="zh-TW" dirty="0" smtClean="0">
+                <a:latin typeface="微軟正黑體" panose="020B0604030504040204" pitchFamily="34" charset="-120"/>
+                <a:ea typeface="微軟正黑體" panose="020B0604030504040204" pitchFamily="34" charset="-120"/>
+              </a:rPr>
+              <a:t>=&gt;</a:t>
+            </a:r>
+            <a:r>
+              <a:rPr lang="zh-TW" altLang="en-US" dirty="0" smtClean="0">
+                <a:latin typeface="微軟正黑體" panose="020B0604030504040204" pitchFamily="34" charset="-120"/>
+                <a:ea typeface="微軟正黑體" panose="020B0604030504040204" pitchFamily="34" charset="-120"/>
+              </a:rPr>
+              <a:t>可以複製格式</a:t>
             </a:r>
             <a:endParaRPr lang="zh-TW" altLang="en-US" dirty="0">
               <a:latin typeface="微軟正黑體" panose="020B0604030504040204" pitchFamily="34" charset="-120"/>
@@ -3278,22 +3337,97 @@
           </a:p>
         </p:txBody>
       </p:sp>
-      <p:sp>
-        <p:nvSpPr>
-          <p:cNvPr id="3" name="內容版面配置區 2"/>
-          <p:cNvSpPr>
-            <a:spLocks noGrp="1"/>
-          </p:cNvSpPr>
+      <p:pic>
+        <p:nvPicPr>
+          <p:cNvPr id="4" name="內容版面配置區 3"/>
+          <p:cNvPicPr>
+            <a:picLocks noGrp="1" noChangeAspect="1"/>
+          </p:cNvPicPr>
           <p:nvPr>
             <p:ph idx="1"/>
           </p:nvPr>
-        </p:nvSpPr>
-        <p:spPr/>
-        <p:txBody>
-          <a:bodyPr/>
-          <a:lstStyle/>
-          <a:p>
-            <a:endParaRPr lang="zh-TW" altLang="en-US"/>
+        </p:nvPicPr>
+        <p:blipFill>
+          <a:blip r:embed="rId2">
+            <a:extLst>
+              <a:ext uri="{28A0092B-C50C-407E-A947-70E740481C1C}">
+                <a14:useLocalDpi xmlns:a14="http://schemas.microsoft.com/office/drawing/2010/main" val="0"/>
+              </a:ext>
+            </a:extLst>
+          </a:blip>
+          <a:stretch>
+            <a:fillRect/>
+          </a:stretch>
+        </p:blipFill>
+        <p:spPr>
+          <a:xfrm>
+            <a:off x="750517" y="703326"/>
+            <a:ext cx="8078033" cy="5021067"/>
+          </a:xfrm>
+        </p:spPr>
+      </p:pic>
+      <p:sp>
+        <p:nvSpPr>
+          <p:cNvPr id="5" name="文字方塊 4"/>
+          <p:cNvSpPr txBox="1"/>
+          <p:nvPr/>
+        </p:nvSpPr>
+        <p:spPr>
+          <a:xfrm>
+            <a:off x="9174272" y="2938275"/>
+            <a:ext cx="2179528" cy="1200329"/>
+          </a:xfrm>
+          <a:prstGeom prst="rect">
+            <a:avLst/>
+          </a:prstGeom>
+          <a:noFill/>
+        </p:spPr>
+        <p:txBody>
+          <a:bodyPr wrap="square" rtlCol="0">
+            <a:spAutoFit/>
+          </a:bodyPr>
+          <a:lstStyle/>
+          <a:p>
+            <a:r>
+              <a:rPr lang="zh-TW" altLang="en-US" dirty="0" smtClean="0"/>
+              <a:t>選取範圍插入圖表</a:t>
+            </a:r>
+            <a:endParaRPr lang="en-US" altLang="zh-TW" dirty="0" smtClean="0"/>
+          </a:p>
+          <a:p>
+            <a:r>
+              <a:rPr lang="en-US" altLang="zh-TW" dirty="0" smtClean="0"/>
+              <a:t>=SUM(</a:t>
+            </a:r>
+            <a:r>
+              <a:rPr lang="zh-TW" altLang="en-US" dirty="0" smtClean="0"/>
+              <a:t>計算總數</a:t>
+            </a:r>
+            <a:r>
+              <a:rPr lang="en-US" altLang="zh-TW" dirty="0" smtClean="0"/>
+              <a:t>)</a:t>
+            </a:r>
+          </a:p>
+          <a:p>
+            <a:r>
+              <a:rPr lang="en-US" altLang="zh-TW" dirty="0" smtClean="0"/>
+              <a:t>%</a:t>
+            </a:r>
+            <a:r>
+              <a:rPr lang="zh-TW" altLang="en-US" dirty="0" smtClean="0"/>
+              <a:t> </a:t>
+            </a:r>
+            <a:r>
+              <a:rPr lang="en-US" altLang="zh-TW" dirty="0" smtClean="0"/>
+              <a:t>(X/SUM)</a:t>
+            </a:r>
+          </a:p>
+          <a:p>
+            <a:r>
+              <a:rPr lang="zh-TW" altLang="en-US" dirty="0" smtClean="0"/>
+              <a:t>圖可加入標籤</a:t>
+            </a:r>
+            <a:endParaRPr lang="zh-TW" altLang="en-US" dirty="0"/>
           </a:p>
         </p:txBody>
       </p:sp>
@@ -3301,6 +3435,198 @@
     <p:extLst>
       <p:ext uri="{BB962C8B-B14F-4D97-AF65-F5344CB8AC3E}">
         <p14:creationId xmlns:p14="http://schemas.microsoft.com/office/powerpoint/2010/main" val="3166360428"/>
+      </p:ext>
+    </p:extLst>
+  </p:cSld>
+  <p:clrMapOvr>
+    <a:masterClrMapping/>
+  </p:clrMapOvr>
+</p:sld>
+</file>
+
+<file path=ppt/slides/slide4.xml><?xml version="1.0" encoding="utf-8"?>
+<p:sld xmlns:a="http://schemas.openxmlformats.org/drawingml/2006/main" xmlns:r="http://schemas.openxmlformats.org/officeDocument/2006/relationships" xmlns:p="http://schemas.openxmlformats.org/presentationml/2006/main">
+  <p:cSld>
+    <p:spTree>
+      <p:nvGrpSpPr>
+        <p:cNvPr id="1" name=""/>
+        <p:cNvGrpSpPr/>
+        <p:nvPr/>
+      </p:nvGrpSpPr>
+      <p:grpSpPr>
+        <a:xfrm>
+          <a:off x="0" y="0"/>
+          <a:ext cx="0" cy="0"/>
+          <a:chOff x="0" y="0"/>
+          <a:chExt cx="0" cy="0"/>
+        </a:xfrm>
+      </p:grpSpPr>
+      <p:sp>
+        <p:nvSpPr>
+          <p:cNvPr id="2" name="標題 1"/>
+          <p:cNvSpPr>
+            <a:spLocks noGrp="1"/>
+          </p:cNvSpPr>
+          <p:nvPr>
+            <p:ph type="title"/>
+          </p:nvPr>
+        </p:nvSpPr>
+        <p:spPr/>
+        <p:txBody>
+          <a:bodyPr/>
+          <a:lstStyle/>
+          <a:p>
+            <a:endParaRPr lang="zh-TW" altLang="en-US"/>
+          </a:p>
+        </p:txBody>
+      </p:sp>
+      <p:pic>
+        <p:nvPicPr>
+          <p:cNvPr id="4" name="內容版面配置區 3"/>
+          <p:cNvPicPr>
+            <a:picLocks noGrp="1" noChangeAspect="1"/>
+          </p:cNvPicPr>
+          <p:nvPr>
+            <p:ph idx="1"/>
+          </p:nvPr>
+        </p:nvPicPr>
+        <p:blipFill>
+          <a:blip r:embed="rId2">
+            <a:extLst>
+              <a:ext uri="{28A0092B-C50C-407E-A947-70E740481C1C}">
+                <a14:useLocalDpi xmlns:a14="http://schemas.microsoft.com/office/drawing/2010/main" val="0"/>
+              </a:ext>
+            </a:extLst>
+          </a:blip>
+          <a:stretch>
+            <a:fillRect/>
+          </a:stretch>
+        </p:blipFill>
+        <p:spPr>
+          <a:xfrm>
+            <a:off x="1007160" y="2226020"/>
+            <a:ext cx="6091564" cy="3019749"/>
+          </a:xfrm>
+        </p:spPr>
+      </p:pic>
+      <p:sp>
+        <p:nvSpPr>
+          <p:cNvPr id="5" name="文字方塊 4"/>
+          <p:cNvSpPr txBox="1"/>
+          <p:nvPr/>
+        </p:nvSpPr>
+        <p:spPr>
+          <a:xfrm>
+            <a:off x="9047747" y="3320716"/>
+            <a:ext cx="891591" cy="646331"/>
+          </a:xfrm>
+          <a:prstGeom prst="rect">
+            <a:avLst/>
+          </a:prstGeom>
+          <a:noFill/>
+        </p:spPr>
+        <p:txBody>
+          <a:bodyPr wrap="none" rtlCol="0">
+            <a:spAutoFit/>
+          </a:bodyPr>
+          <a:lstStyle/>
+          <a:p>
+            <a:r>
+              <a:rPr lang="en-US" altLang="zh-TW" dirty="0" smtClean="0"/>
+              <a:t>=MIN()</a:t>
+            </a:r>
+          </a:p>
+          <a:p>
+            <a:r>
+              <a:rPr lang="en-US" altLang="zh-TW" dirty="0" smtClean="0"/>
+              <a:t>=MAX()</a:t>
+            </a:r>
+            <a:endParaRPr lang="zh-TW" altLang="en-US" dirty="0"/>
+          </a:p>
+        </p:txBody>
+      </p:sp>
+    </p:spTree>
+    <p:extLst>
+      <p:ext uri="{BB962C8B-B14F-4D97-AF65-F5344CB8AC3E}">
+        <p14:creationId xmlns:p14="http://schemas.microsoft.com/office/powerpoint/2010/main" val="1548832669"/>
+      </p:ext>
+    </p:extLst>
+  </p:cSld>
+  <p:clrMapOvr>
+    <a:masterClrMapping/>
+  </p:clrMapOvr>
+</p:sld>
+</file>
+
+<file path=ppt/slides/slide5.xml><?xml version="1.0" encoding="utf-8"?>
+<p:sld xmlns:a="http://schemas.openxmlformats.org/drawingml/2006/main" xmlns:r="http://schemas.openxmlformats.org/officeDocument/2006/relationships" xmlns:p="http://schemas.openxmlformats.org/presentationml/2006/main">
+  <p:cSld>
+    <p:spTree>
+      <p:nvGrpSpPr>
+        <p:cNvPr id="1" name=""/>
+        <p:cNvGrpSpPr/>
+        <p:nvPr/>
+      </p:nvGrpSpPr>
+      <p:grpSpPr>
+        <a:xfrm>
+          <a:off x="0" y="0"/>
+          <a:ext cx="0" cy="0"/>
+          <a:chOff x="0" y="0"/>
+          <a:chExt cx="0" cy="0"/>
+        </a:xfrm>
+      </p:grpSpPr>
+      <p:sp>
+        <p:nvSpPr>
+          <p:cNvPr id="2" name="標題 1"/>
+          <p:cNvSpPr>
+            <a:spLocks noGrp="1"/>
+          </p:cNvSpPr>
+          <p:nvPr>
+            <p:ph type="title"/>
+          </p:nvPr>
+        </p:nvSpPr>
+        <p:spPr/>
+        <p:txBody>
+          <a:bodyPr/>
+          <a:lstStyle/>
+          <a:p>
+            <a:endParaRPr lang="zh-TW" altLang="en-US"/>
+          </a:p>
+        </p:txBody>
+      </p:sp>
+      <p:pic>
+        <p:nvPicPr>
+          <p:cNvPr id="4" name="內容版面配置區 3"/>
+          <p:cNvPicPr>
+            <a:picLocks noGrp="1" noChangeAspect="1"/>
+          </p:cNvPicPr>
+          <p:nvPr>
+            <p:ph idx="1"/>
+          </p:nvPr>
+        </p:nvPicPr>
+        <p:blipFill>
+          <a:blip r:embed="rId2">
+            <a:extLst>
+              <a:ext uri="{28A0092B-C50C-407E-A947-70E740481C1C}">
+                <a14:useLocalDpi xmlns:a14="http://schemas.microsoft.com/office/drawing/2010/main" val="0"/>
+              </a:ext>
+            </a:extLst>
+          </a:blip>
+          <a:stretch>
+            <a:fillRect/>
+          </a:stretch>
+        </p:blipFill>
+        <p:spPr>
+          <a:xfrm>
+            <a:off x="3283242" y="2079180"/>
+            <a:ext cx="5625516" cy="4322916"/>
+          </a:xfrm>
+        </p:spPr>
+      </p:pic>
+    </p:spTree>
+    <p:extLst>
+      <p:ext uri="{BB962C8B-B14F-4D97-AF65-F5344CB8AC3E}">
+        <p14:creationId xmlns:p14="http://schemas.microsoft.com/office/powerpoint/2010/main" val="3577332053"/>
       </p:ext>
     </p:extLst>
   </p:cSld>

--- a/EXCEL0929.pptx
+++ b/EXCEL0929.pptx
@@ -10,6 +10,9 @@
     <p:sldId id="258" r:id="rId4"/>
     <p:sldId id="259" r:id="rId5"/>
     <p:sldId id="260" r:id="rId6"/>
+    <p:sldId id="261" r:id="rId7"/>
+    <p:sldId id="262" r:id="rId8"/>
+    <p:sldId id="263" r:id="rId9"/>
   </p:sldIdLst>
   <p:sldSz cx="12192000" cy="6858000"/>
   <p:notesSz cx="6858000" cy="9144000"/>
@@ -247,7 +250,7 @@
           <a:p>
             <a:fld id="{92D0918B-59A6-4BAC-A255-C743EF97AC97}" type="datetimeFigureOut">
               <a:rPr lang="zh-TW" altLang="en-US" smtClean="0"/>
-              <a:t>2020/9/29</a:t>
+              <a:t>2020/10/6</a:t>
             </a:fld>
             <a:endParaRPr lang="zh-TW" altLang="en-US"/>
           </a:p>
@@ -417,7 +420,7 @@
           <a:p>
             <a:fld id="{92D0918B-59A6-4BAC-A255-C743EF97AC97}" type="datetimeFigureOut">
               <a:rPr lang="zh-TW" altLang="en-US" smtClean="0"/>
-              <a:t>2020/9/29</a:t>
+              <a:t>2020/10/6</a:t>
             </a:fld>
             <a:endParaRPr lang="zh-TW" altLang="en-US"/>
           </a:p>
@@ -597,7 +600,7 @@
           <a:p>
             <a:fld id="{92D0918B-59A6-4BAC-A255-C743EF97AC97}" type="datetimeFigureOut">
               <a:rPr lang="zh-TW" altLang="en-US" smtClean="0"/>
-              <a:t>2020/9/29</a:t>
+              <a:t>2020/10/6</a:t>
             </a:fld>
             <a:endParaRPr lang="zh-TW" altLang="en-US"/>
           </a:p>
@@ -767,7 +770,7 @@
           <a:p>
             <a:fld id="{92D0918B-59A6-4BAC-A255-C743EF97AC97}" type="datetimeFigureOut">
               <a:rPr lang="zh-TW" altLang="en-US" smtClean="0"/>
-              <a:t>2020/9/29</a:t>
+              <a:t>2020/10/6</a:t>
             </a:fld>
             <a:endParaRPr lang="zh-TW" altLang="en-US"/>
           </a:p>
@@ -1013,7 +1016,7 @@
           <a:p>
             <a:fld id="{92D0918B-59A6-4BAC-A255-C743EF97AC97}" type="datetimeFigureOut">
               <a:rPr lang="zh-TW" altLang="en-US" smtClean="0"/>
-              <a:t>2020/9/29</a:t>
+              <a:t>2020/10/6</a:t>
             </a:fld>
             <a:endParaRPr lang="zh-TW" altLang="en-US"/>
           </a:p>
@@ -1245,7 +1248,7 @@
           <a:p>
             <a:fld id="{92D0918B-59A6-4BAC-A255-C743EF97AC97}" type="datetimeFigureOut">
               <a:rPr lang="zh-TW" altLang="en-US" smtClean="0"/>
-              <a:t>2020/9/29</a:t>
+              <a:t>2020/10/6</a:t>
             </a:fld>
             <a:endParaRPr lang="zh-TW" altLang="en-US"/>
           </a:p>
@@ -1612,7 +1615,7 @@
           <a:p>
             <a:fld id="{92D0918B-59A6-4BAC-A255-C743EF97AC97}" type="datetimeFigureOut">
               <a:rPr lang="zh-TW" altLang="en-US" smtClean="0"/>
-              <a:t>2020/9/29</a:t>
+              <a:t>2020/10/6</a:t>
             </a:fld>
             <a:endParaRPr lang="zh-TW" altLang="en-US"/>
           </a:p>
@@ -1730,7 +1733,7 @@
           <a:p>
             <a:fld id="{92D0918B-59A6-4BAC-A255-C743EF97AC97}" type="datetimeFigureOut">
               <a:rPr lang="zh-TW" altLang="en-US" smtClean="0"/>
-              <a:t>2020/9/29</a:t>
+              <a:t>2020/10/6</a:t>
             </a:fld>
             <a:endParaRPr lang="zh-TW" altLang="en-US"/>
           </a:p>
@@ -1825,7 +1828,7 @@
           <a:p>
             <a:fld id="{92D0918B-59A6-4BAC-A255-C743EF97AC97}" type="datetimeFigureOut">
               <a:rPr lang="zh-TW" altLang="en-US" smtClean="0"/>
-              <a:t>2020/9/29</a:t>
+              <a:t>2020/10/6</a:t>
             </a:fld>
             <a:endParaRPr lang="zh-TW" altLang="en-US"/>
           </a:p>
@@ -2102,7 +2105,7 @@
           <a:p>
             <a:fld id="{92D0918B-59A6-4BAC-A255-C743EF97AC97}" type="datetimeFigureOut">
               <a:rPr lang="zh-TW" altLang="en-US" smtClean="0"/>
-              <a:t>2020/9/29</a:t>
+              <a:t>2020/10/6</a:t>
             </a:fld>
             <a:endParaRPr lang="zh-TW" altLang="en-US"/>
           </a:p>
@@ -2355,7 +2358,7 @@
           <a:p>
             <a:fld id="{92D0918B-59A6-4BAC-A255-C743EF97AC97}" type="datetimeFigureOut">
               <a:rPr lang="zh-TW" altLang="en-US" smtClean="0"/>
-              <a:t>2020/9/29</a:t>
+              <a:t>2020/10/6</a:t>
             </a:fld>
             <a:endParaRPr lang="zh-TW" altLang="en-US"/>
           </a:p>
@@ -2568,7 +2571,7 @@
           <a:p>
             <a:fld id="{92D0918B-59A6-4BAC-A255-C743EF97AC97}" type="datetimeFigureOut">
               <a:rPr lang="zh-TW" altLang="en-US" smtClean="0"/>
-              <a:t>2020/9/29</a:t>
+              <a:t>2020/10/6</a:t>
             </a:fld>
             <a:endParaRPr lang="zh-TW" altLang="en-US"/>
           </a:p>
@@ -3636,6 +3639,261 @@
 </p:sld>
 </file>
 
+<file path=ppt/slides/slide6.xml><?xml version="1.0" encoding="utf-8"?>
+<p:sld xmlns:a="http://schemas.openxmlformats.org/drawingml/2006/main" xmlns:r="http://schemas.openxmlformats.org/officeDocument/2006/relationships" xmlns:p="http://schemas.openxmlformats.org/presentationml/2006/main">
+  <p:cSld>
+    <p:spTree>
+      <p:nvGrpSpPr>
+        <p:cNvPr id="1" name=""/>
+        <p:cNvGrpSpPr/>
+        <p:nvPr/>
+      </p:nvGrpSpPr>
+      <p:grpSpPr>
+        <a:xfrm>
+          <a:off x="0" y="0"/>
+          <a:ext cx="0" cy="0"/>
+          <a:chOff x="0" y="0"/>
+          <a:chExt cx="0" cy="0"/>
+        </a:xfrm>
+      </p:grpSpPr>
+      <p:sp>
+        <p:nvSpPr>
+          <p:cNvPr id="2" name="標題 1"/>
+          <p:cNvSpPr>
+            <a:spLocks noGrp="1"/>
+          </p:cNvSpPr>
+          <p:nvPr>
+            <p:ph type="title"/>
+          </p:nvPr>
+        </p:nvSpPr>
+        <p:spPr/>
+        <p:txBody>
+          <a:bodyPr/>
+          <a:lstStyle/>
+          <a:p>
+            <a:endParaRPr lang="zh-TW" altLang="en-US"/>
+          </a:p>
+        </p:txBody>
+      </p:sp>
+      <p:pic>
+        <p:nvPicPr>
+          <p:cNvPr id="4" name="內容版面配置區 3"/>
+          <p:cNvPicPr>
+            <a:picLocks noGrp="1" noChangeAspect="1"/>
+          </p:cNvPicPr>
+          <p:nvPr>
+            <p:ph idx="1"/>
+          </p:nvPr>
+        </p:nvPicPr>
+        <p:blipFill>
+          <a:blip r:embed="rId2">
+            <a:extLst>
+              <a:ext uri="{28A0092B-C50C-407E-A947-70E740481C1C}">
+                <a14:useLocalDpi xmlns:a14="http://schemas.microsoft.com/office/drawing/2010/main" val="0"/>
+              </a:ext>
+            </a:extLst>
+          </a:blip>
+          <a:stretch>
+            <a:fillRect/>
+          </a:stretch>
+        </p:blipFill>
+        <p:spPr>
+          <a:xfrm>
+            <a:off x="1960649" y="2280792"/>
+            <a:ext cx="5514975" cy="3390900"/>
+          </a:xfrm>
+        </p:spPr>
+      </p:pic>
+    </p:spTree>
+    <p:extLst>
+      <p:ext uri="{BB962C8B-B14F-4D97-AF65-F5344CB8AC3E}">
+        <p14:creationId xmlns:p14="http://schemas.microsoft.com/office/powerpoint/2010/main" val="2592775932"/>
+      </p:ext>
+    </p:extLst>
+  </p:cSld>
+  <p:clrMapOvr>
+    <a:masterClrMapping/>
+  </p:clrMapOvr>
+</p:sld>
+</file>
+
+<file path=ppt/slides/slide7.xml><?xml version="1.0" encoding="utf-8"?>
+<p:sld xmlns:a="http://schemas.openxmlformats.org/drawingml/2006/main" xmlns:r="http://schemas.openxmlformats.org/officeDocument/2006/relationships" xmlns:p="http://schemas.openxmlformats.org/presentationml/2006/main">
+  <p:cSld>
+    <p:spTree>
+      <p:nvGrpSpPr>
+        <p:cNvPr id="1" name=""/>
+        <p:cNvGrpSpPr/>
+        <p:nvPr/>
+      </p:nvGrpSpPr>
+      <p:grpSpPr>
+        <a:xfrm>
+          <a:off x="0" y="0"/>
+          <a:ext cx="0" cy="0"/>
+          <a:chOff x="0" y="0"/>
+          <a:chExt cx="0" cy="0"/>
+        </a:xfrm>
+      </p:grpSpPr>
+      <p:sp>
+        <p:nvSpPr>
+          <p:cNvPr id="2" name="標題 1"/>
+          <p:cNvSpPr>
+            <a:spLocks noGrp="1"/>
+          </p:cNvSpPr>
+          <p:nvPr>
+            <p:ph type="title"/>
+          </p:nvPr>
+        </p:nvSpPr>
+        <p:spPr>
+          <a:xfrm>
+            <a:off x="913356" y="302495"/>
+            <a:ext cx="10515600" cy="1325563"/>
+          </a:xfrm>
+        </p:spPr>
+        <p:txBody>
+          <a:bodyPr/>
+          <a:lstStyle/>
+          <a:p>
+            <a:r>
+              <a:rPr lang="en-US" altLang="zh-TW" dirty="0" smtClean="0"/>
+              <a:t>1.</a:t>
+            </a:r>
+            <a:r>
+              <a:rPr lang="zh-TW" altLang="en-US" dirty="0" smtClean="0"/>
+              <a:t>加入座標 </a:t>
+            </a:r>
+            <a:endParaRPr lang="zh-TW" altLang="en-US" dirty="0"/>
+          </a:p>
+        </p:txBody>
+      </p:sp>
+      <p:pic>
+        <p:nvPicPr>
+          <p:cNvPr id="4" name="內容版面配置區 3"/>
+          <p:cNvPicPr>
+            <a:picLocks noGrp="1" noChangeAspect="1"/>
+          </p:cNvPicPr>
+          <p:nvPr>
+            <p:ph idx="1"/>
+          </p:nvPr>
+        </p:nvPicPr>
+        <p:blipFill>
+          <a:blip r:embed="rId2">
+            <a:extLst>
+              <a:ext uri="{28A0092B-C50C-407E-A947-70E740481C1C}">
+                <a14:useLocalDpi xmlns:a14="http://schemas.microsoft.com/office/drawing/2010/main" val="0"/>
+              </a:ext>
+            </a:extLst>
+          </a:blip>
+          <a:stretch>
+            <a:fillRect/>
+          </a:stretch>
+        </p:blipFill>
+        <p:spPr>
+          <a:xfrm>
+            <a:off x="1064772" y="1850677"/>
+            <a:ext cx="8033239" cy="4351338"/>
+          </a:xfrm>
+        </p:spPr>
+      </p:pic>
+    </p:spTree>
+    <p:extLst>
+      <p:ext uri="{BB962C8B-B14F-4D97-AF65-F5344CB8AC3E}">
+        <p14:creationId xmlns:p14="http://schemas.microsoft.com/office/powerpoint/2010/main" val="3459540497"/>
+      </p:ext>
+    </p:extLst>
+  </p:cSld>
+  <p:clrMapOvr>
+    <a:masterClrMapping/>
+  </p:clrMapOvr>
+</p:sld>
+</file>
+
+<file path=ppt/slides/slide8.xml><?xml version="1.0" encoding="utf-8"?>
+<p:sld xmlns:a="http://schemas.openxmlformats.org/drawingml/2006/main" xmlns:r="http://schemas.openxmlformats.org/officeDocument/2006/relationships" xmlns:p="http://schemas.openxmlformats.org/presentationml/2006/main">
+  <p:cSld>
+    <p:spTree>
+      <p:nvGrpSpPr>
+        <p:cNvPr id="1" name=""/>
+        <p:cNvGrpSpPr/>
+        <p:nvPr/>
+      </p:nvGrpSpPr>
+      <p:grpSpPr>
+        <a:xfrm>
+          <a:off x="0" y="0"/>
+          <a:ext cx="0" cy="0"/>
+          <a:chOff x="0" y="0"/>
+          <a:chExt cx="0" cy="0"/>
+        </a:xfrm>
+      </p:grpSpPr>
+      <p:sp>
+        <p:nvSpPr>
+          <p:cNvPr id="2" name="標題 1"/>
+          <p:cNvSpPr>
+            <a:spLocks noGrp="1"/>
+          </p:cNvSpPr>
+          <p:nvPr>
+            <p:ph type="title"/>
+          </p:nvPr>
+        </p:nvSpPr>
+        <p:spPr/>
+        <p:txBody>
+          <a:bodyPr/>
+          <a:lstStyle/>
+          <a:p>
+            <a:r>
+              <a:rPr lang="en-US" altLang="zh-TW" dirty="0" smtClean="0"/>
+              <a:t>2.</a:t>
+            </a:r>
+            <a:r>
+              <a:rPr lang="zh-TW" altLang="en-US" dirty="0" smtClean="0"/>
+              <a:t>圖表連續</a:t>
+            </a:r>
+            <a:endParaRPr lang="zh-TW" altLang="en-US" dirty="0"/>
+          </a:p>
+        </p:txBody>
+      </p:sp>
+      <p:pic>
+        <p:nvPicPr>
+          <p:cNvPr id="4" name="內容版面配置區 3"/>
+          <p:cNvPicPr>
+            <a:picLocks noGrp="1" noChangeAspect="1"/>
+          </p:cNvPicPr>
+          <p:nvPr>
+            <p:ph idx="1"/>
+          </p:nvPr>
+        </p:nvPicPr>
+        <p:blipFill>
+          <a:blip r:embed="rId2">
+            <a:extLst>
+              <a:ext uri="{28A0092B-C50C-407E-A947-70E740481C1C}">
+                <a14:useLocalDpi xmlns:a14="http://schemas.microsoft.com/office/drawing/2010/main" val="0"/>
+              </a:ext>
+            </a:extLst>
+          </a:blip>
+          <a:stretch>
+            <a:fillRect/>
+          </a:stretch>
+        </p:blipFill>
+        <p:spPr>
+          <a:xfrm>
+            <a:off x="1637678" y="2143660"/>
+            <a:ext cx="8916644" cy="3715268"/>
+          </a:xfrm>
+        </p:spPr>
+      </p:pic>
+    </p:spTree>
+    <p:extLst>
+      <p:ext uri="{BB962C8B-B14F-4D97-AF65-F5344CB8AC3E}">
+        <p14:creationId xmlns:p14="http://schemas.microsoft.com/office/powerpoint/2010/main" val="4071457100"/>
+      </p:ext>
+    </p:extLst>
+  </p:cSld>
+  <p:clrMapOvr>
+    <a:masterClrMapping/>
+  </p:clrMapOvr>
+</p:sld>
+</file>
+
 <file path=ppt/theme/theme1.xml><?xml version="1.0" encoding="utf-8"?>
 <a:theme xmlns:a="http://schemas.openxmlformats.org/drawingml/2006/main" name="Office 佈景主題">
   <a:themeElements>

--- a/EXCEL0929.pptx
+++ b/EXCEL0929.pptx
@@ -13,6 +13,8 @@
     <p:sldId id="261" r:id="rId7"/>
     <p:sldId id="262" r:id="rId8"/>
     <p:sldId id="263" r:id="rId9"/>
+    <p:sldId id="264" r:id="rId10"/>
+    <p:sldId id="265" r:id="rId11"/>
   </p:sldIdLst>
   <p:sldSz cx="12192000" cy="6858000"/>
   <p:notesSz cx="6858000" cy="9144000"/>
@@ -3027,6 +3029,74 @@
 </p:sld>
 </file>
 
+<file path=ppt/slides/slide10.xml><?xml version="1.0" encoding="utf-8"?>
+<p:sld xmlns:a="http://schemas.openxmlformats.org/drawingml/2006/main" xmlns:r="http://schemas.openxmlformats.org/officeDocument/2006/relationships" xmlns:p="http://schemas.openxmlformats.org/presentationml/2006/main">
+  <p:cSld>
+    <p:spTree>
+      <p:nvGrpSpPr>
+        <p:cNvPr id="1" name=""/>
+        <p:cNvGrpSpPr/>
+        <p:nvPr/>
+      </p:nvGrpSpPr>
+      <p:grpSpPr>
+        <a:xfrm>
+          <a:off x="0" y="0"/>
+          <a:ext cx="0" cy="0"/>
+          <a:chOff x="0" y="0"/>
+          <a:chExt cx="0" cy="0"/>
+        </a:xfrm>
+      </p:grpSpPr>
+      <p:sp>
+        <p:nvSpPr>
+          <p:cNvPr id="2" name="標題 1"/>
+          <p:cNvSpPr>
+            <a:spLocks noGrp="1"/>
+          </p:cNvSpPr>
+          <p:nvPr>
+            <p:ph type="title"/>
+          </p:nvPr>
+        </p:nvSpPr>
+        <p:spPr/>
+        <p:txBody>
+          <a:bodyPr/>
+          <a:lstStyle/>
+          <a:p>
+            <a:endParaRPr lang="zh-TW" altLang="en-US"/>
+          </a:p>
+        </p:txBody>
+      </p:sp>
+      <p:sp>
+        <p:nvSpPr>
+          <p:cNvPr id="3" name="內容版面配置區 2"/>
+          <p:cNvSpPr>
+            <a:spLocks noGrp="1"/>
+          </p:cNvSpPr>
+          <p:nvPr>
+            <p:ph idx="1"/>
+          </p:nvPr>
+        </p:nvSpPr>
+        <p:spPr/>
+        <p:txBody>
+          <a:bodyPr/>
+          <a:lstStyle/>
+          <a:p>
+            <a:endParaRPr lang="zh-TW" altLang="en-US"/>
+          </a:p>
+        </p:txBody>
+      </p:sp>
+    </p:spTree>
+    <p:extLst>
+      <p:ext uri="{BB962C8B-B14F-4D97-AF65-F5344CB8AC3E}">
+        <p14:creationId xmlns:p14="http://schemas.microsoft.com/office/powerpoint/2010/main" val="3173567168"/>
+      </p:ext>
+    </p:extLst>
+  </p:cSld>
+  <p:clrMapOvr>
+    <a:masterClrMapping/>
+  </p:clrMapOvr>
+</p:sld>
+</file>
+
 <file path=ppt/slides/slide2.xml><?xml version="1.0" encoding="utf-8"?>
 <p:sld xmlns:a="http://schemas.openxmlformats.org/drawingml/2006/main" xmlns:r="http://schemas.openxmlformats.org/officeDocument/2006/relationships" xmlns:p="http://schemas.openxmlformats.org/presentationml/2006/main">
   <p:cSld>
@@ -3885,6 +3955,170 @@
     <p:extLst>
       <p:ext uri="{BB962C8B-B14F-4D97-AF65-F5344CB8AC3E}">
         <p14:creationId xmlns:p14="http://schemas.microsoft.com/office/powerpoint/2010/main" val="4071457100"/>
+      </p:ext>
+    </p:extLst>
+  </p:cSld>
+  <p:clrMapOvr>
+    <a:masterClrMapping/>
+  </p:clrMapOvr>
+</p:sld>
+</file>
+
+<file path=ppt/slides/slide9.xml><?xml version="1.0" encoding="utf-8"?>
+<p:sld xmlns:a="http://schemas.openxmlformats.org/drawingml/2006/main" xmlns:r="http://schemas.openxmlformats.org/officeDocument/2006/relationships" xmlns:p="http://schemas.openxmlformats.org/presentationml/2006/main">
+  <p:cSld>
+    <p:spTree>
+      <p:nvGrpSpPr>
+        <p:cNvPr id="1" name=""/>
+        <p:cNvGrpSpPr/>
+        <p:nvPr/>
+      </p:nvGrpSpPr>
+      <p:grpSpPr>
+        <a:xfrm>
+          <a:off x="0" y="0"/>
+          <a:ext cx="0" cy="0"/>
+          <a:chOff x="0" y="0"/>
+          <a:chExt cx="0" cy="0"/>
+        </a:xfrm>
+      </p:grpSpPr>
+      <p:sp>
+        <p:nvSpPr>
+          <p:cNvPr id="2" name="標題 1"/>
+          <p:cNvSpPr>
+            <a:spLocks noGrp="1"/>
+          </p:cNvSpPr>
+          <p:nvPr>
+            <p:ph type="title"/>
+          </p:nvPr>
+        </p:nvSpPr>
+        <p:spPr/>
+        <p:txBody>
+          <a:bodyPr/>
+          <a:lstStyle/>
+          <a:p>
+            <a:endParaRPr lang="zh-TW" altLang="en-US"/>
+          </a:p>
+        </p:txBody>
+      </p:sp>
+      <p:pic>
+        <p:nvPicPr>
+          <p:cNvPr id="4" name="內容版面配置區 3"/>
+          <p:cNvPicPr>
+            <a:picLocks noGrp="1" noChangeAspect="1"/>
+          </p:cNvPicPr>
+          <p:nvPr>
+            <p:ph idx="1"/>
+          </p:nvPr>
+        </p:nvPicPr>
+        <p:blipFill>
+          <a:blip r:embed="rId2">
+            <a:extLst>
+              <a:ext uri="{28A0092B-C50C-407E-A947-70E740481C1C}">
+                <a14:useLocalDpi xmlns:a14="http://schemas.microsoft.com/office/drawing/2010/main" val="0"/>
+              </a:ext>
+            </a:extLst>
+          </a:blip>
+          <a:stretch>
+            <a:fillRect/>
+          </a:stretch>
+        </p:blipFill>
+        <p:spPr>
+          <a:xfrm>
+            <a:off x="838200" y="1924192"/>
+            <a:ext cx="3743325" cy="2876550"/>
+          </a:xfrm>
+        </p:spPr>
+      </p:pic>
+      <p:sp>
+        <p:nvSpPr>
+          <p:cNvPr id="5" name="文字方塊 4"/>
+          <p:cNvSpPr txBox="1"/>
+          <p:nvPr/>
+        </p:nvSpPr>
+        <p:spPr>
+          <a:xfrm>
+            <a:off x="6576164" y="2517732"/>
+            <a:ext cx="3945699" cy="1477328"/>
+          </a:xfrm>
+          <a:prstGeom prst="rect">
+            <a:avLst/>
+          </a:prstGeom>
+          <a:noFill/>
+        </p:spPr>
+        <p:txBody>
+          <a:bodyPr wrap="square" rtlCol="0">
+            <a:spAutoFit/>
+          </a:bodyPr>
+          <a:lstStyle/>
+          <a:p>
+            <a:r>
+              <a:rPr lang="zh-TW" altLang="en-US" dirty="0" smtClean="0"/>
+              <a:t>資料</a:t>
+            </a:r>
+            <a:r>
+              <a:rPr lang="en-US" altLang="zh-TW" dirty="0" smtClean="0"/>
+              <a:t>-&gt;</a:t>
+            </a:r>
+            <a:r>
+              <a:rPr lang="zh-TW" altLang="en-US" dirty="0" smtClean="0"/>
+              <a:t>資料分析</a:t>
+            </a:r>
+            <a:r>
+              <a:rPr lang="en-US" altLang="zh-TW" dirty="0" smtClean="0"/>
+              <a:t/>
+            </a:r>
+            <a:br>
+              <a:rPr lang="en-US" altLang="zh-TW" dirty="0" smtClean="0"/>
+            </a:br>
+            <a:r>
+              <a:rPr lang="zh-TW" altLang="en-US" dirty="0" smtClean="0"/>
+              <a:t>輸入範圍</a:t>
+            </a:r>
+            <a:endParaRPr lang="en-US" altLang="zh-TW" dirty="0" smtClean="0"/>
+          </a:p>
+          <a:p>
+            <a:r>
+              <a:rPr lang="zh-TW" altLang="en-US" dirty="0" smtClean="0"/>
+              <a:t>再輸入組距</a:t>
+            </a:r>
+            <a:r>
+              <a:rPr lang="en-US" altLang="zh-TW" dirty="0" smtClean="0"/>
+              <a:t/>
+            </a:r>
+            <a:br>
+              <a:rPr lang="en-US" altLang="zh-TW" dirty="0" smtClean="0"/>
+            </a:br>
+            <a:r>
+              <a:rPr lang="zh-TW" altLang="en-US" dirty="0" smtClean="0"/>
+              <a:t>選取輸出位置</a:t>
+            </a:r>
+            <a:r>
+              <a:rPr lang="en-US" altLang="zh-TW" dirty="0" smtClean="0"/>
+              <a:t>(</a:t>
+            </a:r>
+            <a:r>
+              <a:rPr lang="zh-TW" altLang="en-US" dirty="0" smtClean="0"/>
+              <a:t>靠近資料</a:t>
+            </a:r>
+            <a:r>
+              <a:rPr lang="en-US" altLang="zh-TW" dirty="0" smtClean="0"/>
+              <a:t/>
+            </a:r>
+            <a:br>
+              <a:rPr lang="en-US" altLang="zh-TW" dirty="0" smtClean="0"/>
+            </a:br>
+            <a:r>
+              <a:rPr lang="zh-TW" altLang="en-US" smtClean="0"/>
+              <a:t>圖表輸出</a:t>
+            </a:r>
+            <a:endParaRPr lang="zh-TW" altLang="en-US" dirty="0"/>
+          </a:p>
+        </p:txBody>
+      </p:sp>
+    </p:spTree>
+    <p:extLst>
+      <p:ext uri="{BB962C8B-B14F-4D97-AF65-F5344CB8AC3E}">
+        <p14:creationId xmlns:p14="http://schemas.microsoft.com/office/powerpoint/2010/main" val="2292331569"/>
       </p:ext>
     </p:extLst>
   </p:cSld>

--- a/EXCEL0929.pptx
+++ b/EXCEL0929.pptx
@@ -3065,22 +3065,66 @@
           </a:p>
         </p:txBody>
       </p:sp>
-      <p:sp>
-        <p:nvSpPr>
-          <p:cNvPr id="3" name="內容版面配置區 2"/>
-          <p:cNvSpPr>
-            <a:spLocks noGrp="1"/>
-          </p:cNvSpPr>
+      <p:pic>
+        <p:nvPicPr>
+          <p:cNvPr id="4" name="內容版面配置區 3"/>
+          <p:cNvPicPr>
+            <a:picLocks noGrp="1" noChangeAspect="1"/>
+          </p:cNvPicPr>
           <p:nvPr>
             <p:ph idx="1"/>
           </p:nvPr>
-        </p:nvSpPr>
-        <p:spPr/>
-        <p:txBody>
-          <a:bodyPr/>
-          <a:lstStyle/>
-          <a:p>
-            <a:endParaRPr lang="zh-TW" altLang="en-US"/>
+        </p:nvPicPr>
+        <p:blipFill>
+          <a:blip r:embed="rId2">
+            <a:extLst>
+              <a:ext uri="{28A0092B-C50C-407E-A947-70E740481C1C}">
+                <a14:useLocalDpi xmlns:a14="http://schemas.microsoft.com/office/drawing/2010/main" val="0"/>
+              </a:ext>
+            </a:extLst>
+          </a:blip>
+          <a:stretch>
+            <a:fillRect/>
+          </a:stretch>
+        </p:blipFill>
+        <p:spPr>
+          <a:xfrm>
+            <a:off x="1112458" y="2379655"/>
+            <a:ext cx="6630325" cy="1895740"/>
+          </a:xfrm>
+        </p:spPr>
+      </p:pic>
+      <p:sp>
+        <p:nvSpPr>
+          <p:cNvPr id="5" name="文字方塊 4"/>
+          <p:cNvSpPr txBox="1"/>
+          <p:nvPr/>
+        </p:nvSpPr>
+        <p:spPr>
+          <a:xfrm>
+            <a:off x="8550441" y="3050526"/>
+            <a:ext cx="2919663" cy="553998"/>
+          </a:xfrm>
+          <a:prstGeom prst="rect">
+            <a:avLst/>
+          </a:prstGeom>
+          <a:noFill/>
+        </p:spPr>
+        <p:txBody>
+          <a:bodyPr wrap="square" rtlCol="0">
+            <a:spAutoFit/>
+          </a:bodyPr>
+          <a:lstStyle/>
+          <a:p>
+            <a:r>
+              <a:rPr lang="en-US" altLang="zh-TW" sz="3000" dirty="0" smtClean="0"/>
+              <a:t>X</a:t>
+            </a:r>
+            <a:r>
+              <a:rPr lang="zh-TW" altLang="en-US" sz="3000" dirty="0" smtClean="0"/>
+              <a:t>樣本的平均值</a:t>
+            </a:r>
+            <a:endParaRPr lang="zh-TW" altLang="en-US" sz="3000" dirty="0"/>
           </a:p>
         </p:txBody>
       </p:sp>
@@ -3916,7 +3960,11 @@
             </a:r>
             <a:r>
               <a:rPr lang="zh-TW" altLang="en-US" dirty="0" smtClean="0"/>
-              <a:t>圖表連續</a:t>
+              <a:t>圖表</a:t>
+            </a:r>
+            <a:r>
+              <a:rPr lang="zh-TW" altLang="en-US" dirty="0" smtClean="0"/>
+              <a:t>連續 加深圖表線條</a:t>
             </a:r>
             <a:endParaRPr lang="zh-TW" altLang="en-US" dirty="0"/>
           </a:p>
@@ -3946,7 +3994,7 @@
         </p:blipFill>
         <p:spPr>
           <a:xfrm>
-            <a:off x="1637678" y="2143660"/>
+            <a:off x="1236845" y="1930718"/>
             <a:ext cx="8916644" cy="3715268"/>
           </a:xfrm>
         </p:spPr>

--- a/EXCEL0929.pptx
+++ b/EXCEL0929.pptx
@@ -15,6 +15,9 @@
     <p:sldId id="263" r:id="rId9"/>
     <p:sldId id="264" r:id="rId10"/>
     <p:sldId id="265" r:id="rId11"/>
+    <p:sldId id="266" r:id="rId12"/>
+    <p:sldId id="268" r:id="rId13"/>
+    <p:sldId id="269" r:id="rId14"/>
   </p:sldIdLst>
   <p:sldSz cx="12192000" cy="6858000"/>
   <p:notesSz cx="6858000" cy="9144000"/>
@@ -252,7 +255,7 @@
           <a:p>
             <a:fld id="{92D0918B-59A6-4BAC-A255-C743EF97AC97}" type="datetimeFigureOut">
               <a:rPr lang="zh-TW" altLang="en-US" smtClean="0"/>
-              <a:t>2020/10/6</a:t>
+              <a:t>2020/10/13</a:t>
             </a:fld>
             <a:endParaRPr lang="zh-TW" altLang="en-US"/>
           </a:p>
@@ -422,7 +425,7 @@
           <a:p>
             <a:fld id="{92D0918B-59A6-4BAC-A255-C743EF97AC97}" type="datetimeFigureOut">
               <a:rPr lang="zh-TW" altLang="en-US" smtClean="0"/>
-              <a:t>2020/10/6</a:t>
+              <a:t>2020/10/13</a:t>
             </a:fld>
             <a:endParaRPr lang="zh-TW" altLang="en-US"/>
           </a:p>
@@ -602,7 +605,7 @@
           <a:p>
             <a:fld id="{92D0918B-59A6-4BAC-A255-C743EF97AC97}" type="datetimeFigureOut">
               <a:rPr lang="zh-TW" altLang="en-US" smtClean="0"/>
-              <a:t>2020/10/6</a:t>
+              <a:t>2020/10/13</a:t>
             </a:fld>
             <a:endParaRPr lang="zh-TW" altLang="en-US"/>
           </a:p>
@@ -772,7 +775,7 @@
           <a:p>
             <a:fld id="{92D0918B-59A6-4BAC-A255-C743EF97AC97}" type="datetimeFigureOut">
               <a:rPr lang="zh-TW" altLang="en-US" smtClean="0"/>
-              <a:t>2020/10/6</a:t>
+              <a:t>2020/10/13</a:t>
             </a:fld>
             <a:endParaRPr lang="zh-TW" altLang="en-US"/>
           </a:p>
@@ -1018,7 +1021,7 @@
           <a:p>
             <a:fld id="{92D0918B-59A6-4BAC-A255-C743EF97AC97}" type="datetimeFigureOut">
               <a:rPr lang="zh-TW" altLang="en-US" smtClean="0"/>
-              <a:t>2020/10/6</a:t>
+              <a:t>2020/10/13</a:t>
             </a:fld>
             <a:endParaRPr lang="zh-TW" altLang="en-US"/>
           </a:p>
@@ -1250,7 +1253,7 @@
           <a:p>
             <a:fld id="{92D0918B-59A6-4BAC-A255-C743EF97AC97}" type="datetimeFigureOut">
               <a:rPr lang="zh-TW" altLang="en-US" smtClean="0"/>
-              <a:t>2020/10/6</a:t>
+              <a:t>2020/10/13</a:t>
             </a:fld>
             <a:endParaRPr lang="zh-TW" altLang="en-US"/>
           </a:p>
@@ -1617,7 +1620,7 @@
           <a:p>
             <a:fld id="{92D0918B-59A6-4BAC-A255-C743EF97AC97}" type="datetimeFigureOut">
               <a:rPr lang="zh-TW" altLang="en-US" smtClean="0"/>
-              <a:t>2020/10/6</a:t>
+              <a:t>2020/10/13</a:t>
             </a:fld>
             <a:endParaRPr lang="zh-TW" altLang="en-US"/>
           </a:p>
@@ -1735,7 +1738,7 @@
           <a:p>
             <a:fld id="{92D0918B-59A6-4BAC-A255-C743EF97AC97}" type="datetimeFigureOut">
               <a:rPr lang="zh-TW" altLang="en-US" smtClean="0"/>
-              <a:t>2020/10/6</a:t>
+              <a:t>2020/10/13</a:t>
             </a:fld>
             <a:endParaRPr lang="zh-TW" altLang="en-US"/>
           </a:p>
@@ -1830,7 +1833,7 @@
           <a:p>
             <a:fld id="{92D0918B-59A6-4BAC-A255-C743EF97AC97}" type="datetimeFigureOut">
               <a:rPr lang="zh-TW" altLang="en-US" smtClean="0"/>
-              <a:t>2020/10/6</a:t>
+              <a:t>2020/10/13</a:t>
             </a:fld>
             <a:endParaRPr lang="zh-TW" altLang="en-US"/>
           </a:p>
@@ -2107,7 +2110,7 @@
           <a:p>
             <a:fld id="{92D0918B-59A6-4BAC-A255-C743EF97AC97}" type="datetimeFigureOut">
               <a:rPr lang="zh-TW" altLang="en-US" smtClean="0"/>
-              <a:t>2020/10/6</a:t>
+              <a:t>2020/10/13</a:t>
             </a:fld>
             <a:endParaRPr lang="zh-TW" altLang="en-US"/>
           </a:p>
@@ -2360,7 +2363,7 @@
           <a:p>
             <a:fld id="{92D0918B-59A6-4BAC-A255-C743EF97AC97}" type="datetimeFigureOut">
               <a:rPr lang="zh-TW" altLang="en-US" smtClean="0"/>
-              <a:t>2020/10/6</a:t>
+              <a:t>2020/10/13</a:t>
             </a:fld>
             <a:endParaRPr lang="zh-TW" altLang="en-US"/>
           </a:p>
@@ -2573,7 +2576,7 @@
           <a:p>
             <a:fld id="{92D0918B-59A6-4BAC-A255-C743EF97AC97}" type="datetimeFigureOut">
               <a:rPr lang="zh-TW" altLang="en-US" smtClean="0"/>
-              <a:t>2020/10/6</a:t>
+              <a:t>2020/10/13</a:t>
             </a:fld>
             <a:endParaRPr lang="zh-TW" altLang="en-US"/>
           </a:p>
@@ -3089,7 +3092,7 @@
         </p:blipFill>
         <p:spPr>
           <a:xfrm>
-            <a:off x="1112458" y="2379655"/>
+            <a:off x="1099932" y="1708784"/>
             <a:ext cx="6630325" cy="1895740"/>
           </a:xfrm>
         </p:spPr>
@@ -3102,7 +3105,7 @@
         </p:nvSpPr>
         <p:spPr>
           <a:xfrm>
-            <a:off x="8550441" y="3050526"/>
+            <a:off x="8537915" y="2286438"/>
             <a:ext cx="2919663" cy="553998"/>
           </a:xfrm>
           <a:prstGeom prst="rect">
@@ -3123,6 +3126,69 @@
             <a:r>
               <a:rPr lang="zh-TW" altLang="en-US" sz="3000" dirty="0" smtClean="0"/>
               <a:t>樣本的平均值</a:t>
+            </a:r>
+            <a:endParaRPr lang="zh-TW" altLang="en-US" sz="3000" dirty="0"/>
+          </a:p>
+        </p:txBody>
+      </p:sp>
+      <p:pic>
+        <p:nvPicPr>
+          <p:cNvPr id="3" name="圖片 2"/>
+          <p:cNvPicPr>
+            <a:picLocks noChangeAspect="1"/>
+          </p:cNvPicPr>
+          <p:nvPr/>
+        </p:nvPicPr>
+        <p:blipFill rotWithShape="1">
+          <a:blip r:embed="rId3">
+            <a:extLst>
+              <a:ext uri="{28A0092B-C50C-407E-A947-70E740481C1C}">
+                <a14:useLocalDpi xmlns:a14="http://schemas.microsoft.com/office/drawing/2010/main" val="0"/>
+              </a:ext>
+            </a:extLst>
+          </a:blip>
+          <a:srcRect l="36267" t="40184" r="20788" b="32313"/>
+          <a:stretch/>
+        </p:blipFill>
+        <p:spPr>
+          <a:xfrm>
+            <a:off x="1099932" y="4171166"/>
+            <a:ext cx="6630325" cy="2299993"/>
+          </a:xfrm>
+          <a:prstGeom prst="rect">
+            <a:avLst/>
+          </a:prstGeom>
+        </p:spPr>
+      </p:pic>
+      <p:sp>
+        <p:nvSpPr>
+          <p:cNvPr id="6" name="文字方塊 5"/>
+          <p:cNvSpPr txBox="1"/>
+          <p:nvPr/>
+        </p:nvSpPr>
+        <p:spPr>
+          <a:xfrm>
+            <a:off x="8537914" y="5044163"/>
+            <a:ext cx="2919663" cy="553998"/>
+          </a:xfrm>
+          <a:prstGeom prst="rect">
+            <a:avLst/>
+          </a:prstGeom>
+          <a:noFill/>
+        </p:spPr>
+        <p:txBody>
+          <a:bodyPr wrap="square" rtlCol="0">
+            <a:spAutoFit/>
+          </a:bodyPr>
+          <a:lstStyle/>
+          <a:p>
+            <a:r>
+              <a:rPr lang="en-US" altLang="zh-TW" sz="3000" dirty="0" smtClean="0"/>
+              <a:t>N-1</a:t>
+            </a:r>
+            <a:r>
+              <a:rPr lang="zh-TW" altLang="en-US" sz="3000" dirty="0" smtClean="0"/>
+              <a:t>要記得</a:t>
             </a:r>
             <a:endParaRPr lang="zh-TW" altLang="en-US" sz="3000" dirty="0"/>
           </a:p>
@@ -3138,6 +3204,446 @@
   <p:clrMapOvr>
     <a:masterClrMapping/>
   </p:clrMapOvr>
+  <p:timing>
+    <p:tnLst>
+      <p:par>
+        <p:cTn id="1" dur="indefinite" restart="never" nodeType="tmRoot"/>
+      </p:par>
+    </p:tnLst>
+  </p:timing>
+</p:sld>
+</file>
+
+<file path=ppt/slides/slide11.xml><?xml version="1.0" encoding="utf-8"?>
+<p:sld xmlns:a="http://schemas.openxmlformats.org/drawingml/2006/main" xmlns:r="http://schemas.openxmlformats.org/officeDocument/2006/relationships" xmlns:p="http://schemas.openxmlformats.org/presentationml/2006/main">
+  <p:cSld>
+    <p:spTree>
+      <p:nvGrpSpPr>
+        <p:cNvPr id="1" name=""/>
+        <p:cNvGrpSpPr/>
+        <p:nvPr/>
+      </p:nvGrpSpPr>
+      <p:grpSpPr>
+        <a:xfrm>
+          <a:off x="0" y="0"/>
+          <a:ext cx="0" cy="0"/>
+          <a:chOff x="0" y="0"/>
+          <a:chExt cx="0" cy="0"/>
+        </a:xfrm>
+      </p:grpSpPr>
+      <p:sp>
+        <p:nvSpPr>
+          <p:cNvPr id="2" name="標題 1"/>
+          <p:cNvSpPr>
+            <a:spLocks noGrp="1"/>
+          </p:cNvSpPr>
+          <p:nvPr>
+            <p:ph type="title"/>
+          </p:nvPr>
+        </p:nvSpPr>
+        <p:spPr/>
+        <p:txBody>
+          <a:bodyPr/>
+          <a:lstStyle/>
+          <a:p>
+            <a:r>
+              <a:rPr lang="zh-TW" altLang="en-US" dirty="0" smtClean="0"/>
+              <a:t>敘述統計</a:t>
+            </a:r>
+            <a:endParaRPr lang="zh-TW" altLang="en-US" dirty="0"/>
+          </a:p>
+        </p:txBody>
+      </p:sp>
+      <p:pic>
+        <p:nvPicPr>
+          <p:cNvPr id="4" name="內容版面配置區 3"/>
+          <p:cNvPicPr>
+            <a:picLocks noGrp="1" noChangeAspect="1"/>
+          </p:cNvPicPr>
+          <p:nvPr>
+            <p:ph idx="1"/>
+          </p:nvPr>
+        </p:nvPicPr>
+        <p:blipFill rotWithShape="1">
+          <a:blip r:embed="rId2">
+            <a:extLst>
+              <a:ext uri="{28A0092B-C50C-407E-A947-70E740481C1C}">
+                <a14:useLocalDpi xmlns:a14="http://schemas.microsoft.com/office/drawing/2010/main" val="0"/>
+              </a:ext>
+            </a:extLst>
+          </a:blip>
+          <a:srcRect l="21985" t="30907" r="52061" b="20612"/>
+          <a:stretch/>
+        </p:blipFill>
+        <p:spPr>
+          <a:xfrm>
+            <a:off x="5085566" y="1153166"/>
+            <a:ext cx="5174237" cy="5235108"/>
+          </a:xfrm>
+          <a:ln>
+            <a:solidFill>
+              <a:schemeClr val="tx1"/>
+            </a:solidFill>
+          </a:ln>
+        </p:spPr>
+      </p:pic>
+      <p:sp>
+        <p:nvSpPr>
+          <p:cNvPr id="5" name="文字方塊 4"/>
+          <p:cNvSpPr txBox="1"/>
+          <p:nvPr/>
+        </p:nvSpPr>
+        <p:spPr>
+          <a:xfrm>
+            <a:off x="1001038" y="2868134"/>
+            <a:ext cx="1728592" cy="369332"/>
+          </a:xfrm>
+          <a:prstGeom prst="rect">
+            <a:avLst/>
+          </a:prstGeom>
+          <a:noFill/>
+        </p:spPr>
+        <p:txBody>
+          <a:bodyPr wrap="square" rtlCol="0">
+            <a:spAutoFit/>
+          </a:bodyPr>
+          <a:lstStyle/>
+          <a:p>
+            <a:r>
+              <a:rPr lang="zh-TW" altLang="en-US" dirty="0" smtClean="0"/>
+              <a:t>全距 </a:t>
+            </a:r>
+            <a:r>
+              <a:rPr lang="en-US" altLang="zh-TW" dirty="0" smtClean="0"/>
+              <a:t>max-min</a:t>
+            </a:r>
+            <a:endParaRPr lang="zh-TW" altLang="en-US" dirty="0"/>
+          </a:p>
+        </p:txBody>
+      </p:sp>
+    </p:spTree>
+    <p:extLst>
+      <p:ext uri="{BB962C8B-B14F-4D97-AF65-F5344CB8AC3E}">
+        <p14:creationId xmlns:p14="http://schemas.microsoft.com/office/powerpoint/2010/main" val="2900217992"/>
+      </p:ext>
+    </p:extLst>
+  </p:cSld>
+  <p:clrMapOvr>
+    <a:masterClrMapping/>
+  </p:clrMapOvr>
+  <p:timing>
+    <p:tnLst>
+      <p:par>
+        <p:cTn id="1" dur="indefinite" restart="never" nodeType="tmRoot"/>
+      </p:par>
+    </p:tnLst>
+  </p:timing>
+</p:sld>
+</file>
+
+<file path=ppt/slides/slide12.xml><?xml version="1.0" encoding="utf-8"?>
+<p:sld xmlns:a="http://schemas.openxmlformats.org/drawingml/2006/main" xmlns:r="http://schemas.openxmlformats.org/officeDocument/2006/relationships" xmlns:p="http://schemas.openxmlformats.org/presentationml/2006/main">
+  <p:cSld>
+    <p:spTree>
+      <p:nvGrpSpPr>
+        <p:cNvPr id="1" name=""/>
+        <p:cNvGrpSpPr/>
+        <p:nvPr/>
+      </p:nvGrpSpPr>
+      <p:grpSpPr>
+        <a:xfrm>
+          <a:off x="0" y="0"/>
+          <a:ext cx="0" cy="0"/>
+          <a:chOff x="0" y="0"/>
+          <a:chExt cx="0" cy="0"/>
+        </a:xfrm>
+      </p:grpSpPr>
+      <p:sp>
+        <p:nvSpPr>
+          <p:cNvPr id="2" name="標題 1"/>
+          <p:cNvSpPr>
+            <a:spLocks noGrp="1"/>
+          </p:cNvSpPr>
+          <p:nvPr>
+            <p:ph type="title"/>
+          </p:nvPr>
+        </p:nvSpPr>
+        <p:spPr/>
+        <p:txBody>
+          <a:bodyPr/>
+          <a:lstStyle/>
+          <a:p>
+            <a:endParaRPr lang="zh-TW" altLang="en-US" dirty="0"/>
+          </a:p>
+        </p:txBody>
+      </p:sp>
+      <p:pic>
+        <p:nvPicPr>
+          <p:cNvPr id="4" name="內容版面配置區 3"/>
+          <p:cNvPicPr>
+            <a:picLocks noGrp="1" noChangeAspect="1"/>
+          </p:cNvPicPr>
+          <p:nvPr>
+            <p:ph idx="1"/>
+          </p:nvPr>
+        </p:nvPicPr>
+        <p:blipFill rotWithShape="1">
+          <a:blip r:embed="rId2">
+            <a:extLst>
+              <a:ext uri="{28A0092B-C50C-407E-A947-70E740481C1C}">
+                <a14:useLocalDpi xmlns:a14="http://schemas.microsoft.com/office/drawing/2010/main" val="0"/>
+              </a:ext>
+            </a:extLst>
+          </a:blip>
+          <a:srcRect l="45818" t="49542" r="40749" b="34582"/>
+          <a:stretch/>
+        </p:blipFill>
+        <p:spPr>
+          <a:xfrm>
+            <a:off x="1460847" y="2554566"/>
+            <a:ext cx="3952536" cy="2530258"/>
+          </a:xfrm>
+          <a:ln>
+            <a:solidFill>
+              <a:schemeClr val="tx1"/>
+            </a:solidFill>
+          </a:ln>
+        </p:spPr>
+      </p:pic>
+      <p:sp>
+        <p:nvSpPr>
+          <p:cNvPr id="5" name="文字方塊 4"/>
+          <p:cNvSpPr txBox="1"/>
+          <p:nvPr/>
+        </p:nvSpPr>
+        <p:spPr>
+          <a:xfrm>
+            <a:off x="6663847" y="2893513"/>
+            <a:ext cx="2680570" cy="1477328"/>
+          </a:xfrm>
+          <a:prstGeom prst="rect">
+            <a:avLst/>
+          </a:prstGeom>
+          <a:noFill/>
+        </p:spPr>
+        <p:txBody>
+          <a:bodyPr wrap="square" rtlCol="0">
+            <a:spAutoFit/>
+          </a:bodyPr>
+          <a:lstStyle/>
+          <a:p>
+            <a:r>
+              <a:rPr lang="en-US" altLang="zh-TW" dirty="0" err="1" smtClean="0"/>
+              <a:t>Stdev.s</a:t>
+            </a:r>
+            <a:r>
+              <a:rPr lang="en-US" altLang="zh-TW" dirty="0" smtClean="0"/>
+              <a:t>  =S</a:t>
+            </a:r>
+          </a:p>
+          <a:p>
+            <a:r>
+              <a:rPr lang="en-US" altLang="zh-TW" dirty="0" err="1" smtClean="0"/>
+              <a:t>Stdev.p</a:t>
+            </a:r>
+            <a:r>
+              <a:rPr lang="en-US" altLang="zh-TW" dirty="0" smtClean="0"/>
+              <a:t> = sigma</a:t>
+            </a:r>
+          </a:p>
+          <a:p>
+            <a:endParaRPr lang="en-US" altLang="zh-TW" dirty="0"/>
+          </a:p>
+          <a:p>
+            <a:r>
+              <a:rPr lang="en-US" altLang="zh-TW" dirty="0" err="1" smtClean="0"/>
+              <a:t>Var.s</a:t>
+            </a:r>
+            <a:r>
+              <a:rPr lang="en-US" altLang="zh-TW" dirty="0" smtClean="0"/>
+              <a:t> = s*s</a:t>
+            </a:r>
+          </a:p>
+          <a:p>
+            <a:r>
+              <a:rPr lang="en-US" altLang="zh-TW" dirty="0" err="1" smtClean="0"/>
+              <a:t>Var.p</a:t>
+            </a:r>
+            <a:r>
+              <a:rPr lang="en-US" altLang="zh-TW" dirty="0" smtClean="0"/>
+              <a:t> = sigma*</a:t>
+            </a:r>
+            <a:r>
+              <a:rPr lang="en-US" altLang="zh-TW" dirty="0"/>
+              <a:t> sigma</a:t>
+            </a:r>
+            <a:endParaRPr lang="en-US" altLang="zh-TW" dirty="0" smtClean="0"/>
+          </a:p>
+        </p:txBody>
+      </p:sp>
+    </p:spTree>
+    <p:extLst>
+      <p:ext uri="{BB962C8B-B14F-4D97-AF65-F5344CB8AC3E}">
+        <p14:creationId xmlns:p14="http://schemas.microsoft.com/office/powerpoint/2010/main" val="2506857981"/>
+      </p:ext>
+    </p:extLst>
+  </p:cSld>
+  <p:clrMapOvr>
+    <a:masterClrMapping/>
+  </p:clrMapOvr>
+  <p:timing>
+    <p:tnLst>
+      <p:par>
+        <p:cTn id="1" dur="indefinite" restart="never" nodeType="tmRoot"/>
+      </p:par>
+    </p:tnLst>
+  </p:timing>
+</p:sld>
+</file>
+
+<file path=ppt/slides/slide13.xml><?xml version="1.0" encoding="utf-8"?>
+<p:sld xmlns:a="http://schemas.openxmlformats.org/drawingml/2006/main" xmlns:r="http://schemas.openxmlformats.org/officeDocument/2006/relationships" xmlns:p="http://schemas.openxmlformats.org/presentationml/2006/main">
+  <p:cSld>
+    <p:spTree>
+      <p:nvGrpSpPr>
+        <p:cNvPr id="1" name=""/>
+        <p:cNvGrpSpPr/>
+        <p:nvPr/>
+      </p:nvGrpSpPr>
+      <p:grpSpPr>
+        <a:xfrm>
+          <a:off x="0" y="0"/>
+          <a:ext cx="0" cy="0"/>
+          <a:chOff x="0" y="0"/>
+          <a:chExt cx="0" cy="0"/>
+        </a:xfrm>
+      </p:grpSpPr>
+      <p:sp>
+        <p:nvSpPr>
+          <p:cNvPr id="2" name="標題 1"/>
+          <p:cNvSpPr>
+            <a:spLocks noGrp="1"/>
+          </p:cNvSpPr>
+          <p:nvPr>
+            <p:ph type="title"/>
+          </p:nvPr>
+        </p:nvSpPr>
+        <p:spPr/>
+        <p:txBody>
+          <a:bodyPr/>
+          <a:lstStyle/>
+          <a:p>
+            <a:endParaRPr lang="zh-TW" altLang="en-US" dirty="0"/>
+          </a:p>
+        </p:txBody>
+      </p:sp>
+      <p:pic>
+        <p:nvPicPr>
+          <p:cNvPr id="4" name="內容版面配置區 3"/>
+          <p:cNvPicPr>
+            <a:picLocks noGrp="1" noChangeAspect="1"/>
+          </p:cNvPicPr>
+          <p:nvPr>
+            <p:ph idx="1"/>
+          </p:nvPr>
+        </p:nvPicPr>
+        <p:blipFill rotWithShape="1">
+          <a:blip r:embed="rId2">
+            <a:extLst>
+              <a:ext uri="{28A0092B-C50C-407E-A947-70E740481C1C}">
+                <a14:useLocalDpi xmlns:a14="http://schemas.microsoft.com/office/drawing/2010/main" val="0"/>
+              </a:ext>
+            </a:extLst>
+          </a:blip>
+          <a:srcRect l="58940" t="48722" r="30457" b="37460"/>
+          <a:stretch/>
+        </p:blipFill>
+        <p:spPr>
+          <a:xfrm>
+            <a:off x="2116898" y="2931091"/>
+            <a:ext cx="4446740" cy="3138873"/>
+          </a:xfrm>
+          <a:ln>
+            <a:solidFill>
+              <a:schemeClr val="tx1"/>
+            </a:solidFill>
+          </a:ln>
+        </p:spPr>
+      </p:pic>
+      <p:sp>
+        <p:nvSpPr>
+          <p:cNvPr id="5" name="文字方塊 4"/>
+          <p:cNvSpPr txBox="1"/>
+          <p:nvPr/>
+        </p:nvSpPr>
+        <p:spPr>
+          <a:xfrm>
+            <a:off x="7415408" y="2530258"/>
+            <a:ext cx="1390389" cy="1200329"/>
+          </a:xfrm>
+          <a:prstGeom prst="rect">
+            <a:avLst/>
+          </a:prstGeom>
+          <a:noFill/>
+        </p:spPr>
+        <p:txBody>
+          <a:bodyPr wrap="square" rtlCol="0">
+            <a:spAutoFit/>
+          </a:bodyPr>
+          <a:lstStyle/>
+          <a:p>
+            <a:r>
+              <a:rPr lang="en-US" altLang="zh-TW" dirty="0" smtClean="0"/>
+              <a:t>=</a:t>
+            </a:r>
+            <a:r>
+              <a:rPr lang="en-US" altLang="zh-TW" dirty="0" err="1" smtClean="0"/>
+              <a:t>sqrt</a:t>
+            </a:r>
+            <a:r>
+              <a:rPr lang="en-US" altLang="zh-TW" dirty="0" smtClean="0"/>
+              <a:t>()</a:t>
+            </a:r>
+          </a:p>
+          <a:p>
+            <a:endParaRPr lang="en-US" altLang="zh-TW" dirty="0"/>
+          </a:p>
+          <a:p>
+            <a:r>
+              <a:rPr lang="en-US" altLang="zh-TW" dirty="0" smtClean="0"/>
+              <a:t>=</a:t>
+            </a:r>
+            <a:r>
+              <a:rPr lang="zh-TW" altLang="en-US" dirty="0" smtClean="0"/>
+              <a:t>數值</a:t>
+            </a:r>
+            <a:r>
+              <a:rPr lang="en-US" altLang="zh-TW" dirty="0" smtClean="0"/>
+              <a:t>^0.5</a:t>
+            </a:r>
+          </a:p>
+          <a:p>
+            <a:endParaRPr lang="zh-TW" altLang="en-US" dirty="0"/>
+          </a:p>
+        </p:txBody>
+      </p:sp>
+    </p:spTree>
+    <p:extLst>
+      <p:ext uri="{BB962C8B-B14F-4D97-AF65-F5344CB8AC3E}">
+        <p14:creationId xmlns:p14="http://schemas.microsoft.com/office/powerpoint/2010/main" val="337834686"/>
+      </p:ext>
+    </p:extLst>
+  </p:cSld>
+  <p:clrMapOvr>
+    <a:masterClrMapping/>
+  </p:clrMapOvr>
+  <p:timing>
+    <p:tnLst>
+      <p:par>
+        <p:cTn id="1" dur="indefinite" restart="never" nodeType="tmRoot"/>
+      </p:par>
+    </p:tnLst>
+  </p:timing>
 </p:sld>
 </file>
 
@@ -3960,11 +4466,7 @@
             </a:r>
             <a:r>
               <a:rPr lang="zh-TW" altLang="en-US" dirty="0" smtClean="0"/>
-              <a:t>圖表</a:t>
-            </a:r>
-            <a:r>
-              <a:rPr lang="zh-TW" altLang="en-US" dirty="0" smtClean="0"/>
-              <a:t>連續 加深圖表線條</a:t>
+              <a:t>圖表連續 加深圖表線條</a:t>
             </a:r>
             <a:endParaRPr lang="zh-TW" altLang="en-US" dirty="0"/>
           </a:p>
@@ -4173,6 +4675,13 @@
   <p:clrMapOvr>
     <a:masterClrMapping/>
   </p:clrMapOvr>
+  <p:timing>
+    <p:tnLst>
+      <p:par>
+        <p:cTn id="1" dur="indefinite" restart="never" nodeType="tmRoot"/>
+      </p:par>
+    </p:tnLst>
+  </p:timing>
 </p:sld>
 </file>
 

--- a/EXCEL0929.pptx
+++ b/EXCEL0929.pptx
@@ -18,6 +18,10 @@
     <p:sldId id="266" r:id="rId12"/>
     <p:sldId id="268" r:id="rId13"/>
     <p:sldId id="269" r:id="rId14"/>
+    <p:sldId id="270" r:id="rId15"/>
+    <p:sldId id="271" r:id="rId16"/>
+    <p:sldId id="272" r:id="rId17"/>
+    <p:sldId id="273" r:id="rId18"/>
   </p:sldIdLst>
   <p:sldSz cx="12192000" cy="6858000"/>
   <p:notesSz cx="6858000" cy="9144000"/>
@@ -255,7 +259,7 @@
           <a:p>
             <a:fld id="{92D0918B-59A6-4BAC-A255-C743EF97AC97}" type="datetimeFigureOut">
               <a:rPr lang="zh-TW" altLang="en-US" smtClean="0"/>
-              <a:t>2020/10/13</a:t>
+              <a:t>2020/10/20</a:t>
             </a:fld>
             <a:endParaRPr lang="zh-TW" altLang="en-US"/>
           </a:p>
@@ -425,7 +429,7 @@
           <a:p>
             <a:fld id="{92D0918B-59A6-4BAC-A255-C743EF97AC97}" type="datetimeFigureOut">
               <a:rPr lang="zh-TW" altLang="en-US" smtClean="0"/>
-              <a:t>2020/10/13</a:t>
+              <a:t>2020/10/20</a:t>
             </a:fld>
             <a:endParaRPr lang="zh-TW" altLang="en-US"/>
           </a:p>
@@ -605,7 +609,7 @@
           <a:p>
             <a:fld id="{92D0918B-59A6-4BAC-A255-C743EF97AC97}" type="datetimeFigureOut">
               <a:rPr lang="zh-TW" altLang="en-US" smtClean="0"/>
-              <a:t>2020/10/13</a:t>
+              <a:t>2020/10/20</a:t>
             </a:fld>
             <a:endParaRPr lang="zh-TW" altLang="en-US"/>
           </a:p>
@@ -775,7 +779,7 @@
           <a:p>
             <a:fld id="{92D0918B-59A6-4BAC-A255-C743EF97AC97}" type="datetimeFigureOut">
               <a:rPr lang="zh-TW" altLang="en-US" smtClean="0"/>
-              <a:t>2020/10/13</a:t>
+              <a:t>2020/10/20</a:t>
             </a:fld>
             <a:endParaRPr lang="zh-TW" altLang="en-US"/>
           </a:p>
@@ -1021,7 +1025,7 @@
           <a:p>
             <a:fld id="{92D0918B-59A6-4BAC-A255-C743EF97AC97}" type="datetimeFigureOut">
               <a:rPr lang="zh-TW" altLang="en-US" smtClean="0"/>
-              <a:t>2020/10/13</a:t>
+              <a:t>2020/10/20</a:t>
             </a:fld>
             <a:endParaRPr lang="zh-TW" altLang="en-US"/>
           </a:p>
@@ -1253,7 +1257,7 @@
           <a:p>
             <a:fld id="{92D0918B-59A6-4BAC-A255-C743EF97AC97}" type="datetimeFigureOut">
               <a:rPr lang="zh-TW" altLang="en-US" smtClean="0"/>
-              <a:t>2020/10/13</a:t>
+              <a:t>2020/10/20</a:t>
             </a:fld>
             <a:endParaRPr lang="zh-TW" altLang="en-US"/>
           </a:p>
@@ -1620,7 +1624,7 @@
           <a:p>
             <a:fld id="{92D0918B-59A6-4BAC-A255-C743EF97AC97}" type="datetimeFigureOut">
               <a:rPr lang="zh-TW" altLang="en-US" smtClean="0"/>
-              <a:t>2020/10/13</a:t>
+              <a:t>2020/10/20</a:t>
             </a:fld>
             <a:endParaRPr lang="zh-TW" altLang="en-US"/>
           </a:p>
@@ -1738,7 +1742,7 @@
           <a:p>
             <a:fld id="{92D0918B-59A6-4BAC-A255-C743EF97AC97}" type="datetimeFigureOut">
               <a:rPr lang="zh-TW" altLang="en-US" smtClean="0"/>
-              <a:t>2020/10/13</a:t>
+              <a:t>2020/10/20</a:t>
             </a:fld>
             <a:endParaRPr lang="zh-TW" altLang="en-US"/>
           </a:p>
@@ -1833,7 +1837,7 @@
           <a:p>
             <a:fld id="{92D0918B-59A6-4BAC-A255-C743EF97AC97}" type="datetimeFigureOut">
               <a:rPr lang="zh-TW" altLang="en-US" smtClean="0"/>
-              <a:t>2020/10/13</a:t>
+              <a:t>2020/10/20</a:t>
             </a:fld>
             <a:endParaRPr lang="zh-TW" altLang="en-US"/>
           </a:p>
@@ -2110,7 +2114,7 @@
           <a:p>
             <a:fld id="{92D0918B-59A6-4BAC-A255-C743EF97AC97}" type="datetimeFigureOut">
               <a:rPr lang="zh-TW" altLang="en-US" smtClean="0"/>
-              <a:t>2020/10/13</a:t>
+              <a:t>2020/10/20</a:t>
             </a:fld>
             <a:endParaRPr lang="zh-TW" altLang="en-US"/>
           </a:p>
@@ -2363,7 +2367,7 @@
           <a:p>
             <a:fld id="{92D0918B-59A6-4BAC-A255-C743EF97AC97}" type="datetimeFigureOut">
               <a:rPr lang="zh-TW" altLang="en-US" smtClean="0"/>
-              <a:t>2020/10/13</a:t>
+              <a:t>2020/10/20</a:t>
             </a:fld>
             <a:endParaRPr lang="zh-TW" altLang="en-US"/>
           </a:p>
@@ -2576,7 +2580,7 @@
           <a:p>
             <a:fld id="{92D0918B-59A6-4BAC-A255-C743EF97AC97}" type="datetimeFigureOut">
               <a:rPr lang="zh-TW" altLang="en-US" smtClean="0"/>
-              <a:t>2020/10/13</a:t>
+              <a:t>2020/10/20</a:t>
             </a:fld>
             <a:endParaRPr lang="zh-TW" altLang="en-US"/>
           </a:p>
@@ -3647,6 +3651,350 @@
 </p:sld>
 </file>
 
+<file path=ppt/slides/slide14.xml><?xml version="1.0" encoding="utf-8"?>
+<p:sld xmlns:a="http://schemas.openxmlformats.org/drawingml/2006/main" xmlns:r="http://schemas.openxmlformats.org/officeDocument/2006/relationships" xmlns:p="http://schemas.openxmlformats.org/presentationml/2006/main">
+  <p:cSld>
+    <p:spTree>
+      <p:nvGrpSpPr>
+        <p:cNvPr id="1" name=""/>
+        <p:cNvGrpSpPr/>
+        <p:nvPr/>
+      </p:nvGrpSpPr>
+      <p:grpSpPr>
+        <a:xfrm>
+          <a:off x="0" y="0"/>
+          <a:ext cx="0" cy="0"/>
+          <a:chOff x="0" y="0"/>
+          <a:chExt cx="0" cy="0"/>
+        </a:xfrm>
+      </p:grpSpPr>
+      <p:sp>
+        <p:nvSpPr>
+          <p:cNvPr id="3" name="內容版面配置區 2"/>
+          <p:cNvSpPr>
+            <a:spLocks noGrp="1"/>
+          </p:cNvSpPr>
+          <p:nvPr>
+            <p:ph idx="1"/>
+          </p:nvPr>
+        </p:nvSpPr>
+        <p:spPr/>
+        <p:txBody>
+          <a:bodyPr/>
+          <a:lstStyle/>
+          <a:p>
+            <a:r>
+              <a:rPr lang="en-US" altLang="zh-TW" dirty="0" smtClean="0"/>
+              <a:t>n*p% =&gt; </a:t>
+            </a:r>
+            <a:r>
+              <a:rPr lang="zh-TW" altLang="en-US" dirty="0" smtClean="0"/>
+              <a:t>整</a:t>
+            </a:r>
+            <a:r>
+              <a:rPr lang="en-US" altLang="zh-TW" dirty="0" smtClean="0"/>
+              <a:t>:(Xk+Xk+1)/2</a:t>
+            </a:r>
+            <a:endParaRPr lang="zh-TW" altLang="en-US" dirty="0"/>
+          </a:p>
+        </p:txBody>
+      </p:sp>
+    </p:spTree>
+    <p:extLst>
+      <p:ext uri="{BB962C8B-B14F-4D97-AF65-F5344CB8AC3E}">
+        <p14:creationId xmlns:p14="http://schemas.microsoft.com/office/powerpoint/2010/main" val="1453069783"/>
+      </p:ext>
+    </p:extLst>
+  </p:cSld>
+  <p:clrMapOvr>
+    <a:masterClrMapping/>
+  </p:clrMapOvr>
+</p:sld>
+</file>
+
+<file path=ppt/slides/slide15.xml><?xml version="1.0" encoding="utf-8"?>
+<p:sld xmlns:a="http://schemas.openxmlformats.org/drawingml/2006/main" xmlns:r="http://schemas.openxmlformats.org/officeDocument/2006/relationships" xmlns:p="http://schemas.openxmlformats.org/presentationml/2006/main">
+  <p:cSld>
+    <p:spTree>
+      <p:nvGrpSpPr>
+        <p:cNvPr id="1" name=""/>
+        <p:cNvGrpSpPr/>
+        <p:nvPr/>
+      </p:nvGrpSpPr>
+      <p:grpSpPr>
+        <a:xfrm>
+          <a:off x="0" y="0"/>
+          <a:ext cx="0" cy="0"/>
+          <a:chOff x="0" y="0"/>
+          <a:chExt cx="0" cy="0"/>
+        </a:xfrm>
+      </p:grpSpPr>
+      <p:sp>
+        <p:nvSpPr>
+          <p:cNvPr id="2" name="標題 1"/>
+          <p:cNvSpPr>
+            <a:spLocks noGrp="1"/>
+          </p:cNvSpPr>
+          <p:nvPr>
+            <p:ph type="title"/>
+          </p:nvPr>
+        </p:nvSpPr>
+        <p:spPr/>
+        <p:txBody>
+          <a:bodyPr/>
+          <a:lstStyle/>
+          <a:p>
+            <a:endParaRPr lang="zh-TW" altLang="en-US"/>
+          </a:p>
+        </p:txBody>
+      </p:sp>
+      <p:pic>
+        <p:nvPicPr>
+          <p:cNvPr id="4" name="內容版面配置區 3"/>
+          <p:cNvPicPr>
+            <a:picLocks noGrp="1" noChangeAspect="1"/>
+          </p:cNvPicPr>
+          <p:nvPr>
+            <p:ph idx="1"/>
+          </p:nvPr>
+        </p:nvPicPr>
+        <p:blipFill rotWithShape="1">
+          <a:blip r:embed="rId2">
+            <a:extLst>
+              <a:ext uri="{28A0092B-C50C-407E-A947-70E740481C1C}">
+                <a14:useLocalDpi xmlns:a14="http://schemas.microsoft.com/office/drawing/2010/main" val="0"/>
+              </a:ext>
+            </a:extLst>
+          </a:blip>
+          <a:srcRect l="60499" t="21662" r="21258" b="34582"/>
+          <a:stretch/>
+        </p:blipFill>
+        <p:spPr>
+          <a:xfrm>
+            <a:off x="1215023" y="1027906"/>
+            <a:ext cx="4246323" cy="5516590"/>
+          </a:xfrm>
+          <a:ln>
+            <a:solidFill>
+              <a:schemeClr val="tx1"/>
+            </a:solidFill>
+          </a:ln>
+        </p:spPr>
+      </p:pic>
+      <p:sp>
+        <p:nvSpPr>
+          <p:cNvPr id="5" name="文字方塊 4"/>
+          <p:cNvSpPr txBox="1"/>
+          <p:nvPr/>
+        </p:nvSpPr>
+        <p:spPr>
+          <a:xfrm>
+            <a:off x="6096000" y="2480153"/>
+            <a:ext cx="4563649" cy="1754326"/>
+          </a:xfrm>
+          <a:prstGeom prst="rect">
+            <a:avLst/>
+          </a:prstGeom>
+          <a:noFill/>
+        </p:spPr>
+        <p:txBody>
+          <a:bodyPr wrap="square" rtlCol="0">
+            <a:spAutoFit/>
+          </a:bodyPr>
+          <a:lstStyle/>
+          <a:p>
+            <a:r>
+              <a:rPr lang="zh-TW" altLang="en-US" dirty="0" smtClean="0"/>
+              <a:t>求四分位數</a:t>
+            </a:r>
+            <a:endParaRPr lang="en-US" altLang="zh-TW" dirty="0" smtClean="0"/>
+          </a:p>
+          <a:p>
+            <a:r>
+              <a:rPr lang="en-US" altLang="zh-TW" dirty="0" smtClean="0"/>
+              <a:t>=QUARTILE.INC()</a:t>
+            </a:r>
+          </a:p>
+          <a:p>
+            <a:endParaRPr lang="en-US" altLang="zh-TW" dirty="0"/>
+          </a:p>
+          <a:p>
+            <a:r>
+              <a:rPr lang="en-US" altLang="zh-TW" dirty="0" smtClean="0"/>
+              <a:t>IQR Q3-Q1</a:t>
+            </a:r>
+          </a:p>
+          <a:p>
+            <a:r>
+              <a:rPr lang="en-US" altLang="zh-TW" dirty="0" err="1" smtClean="0"/>
+              <a:t>UpperBound</a:t>
+            </a:r>
+            <a:r>
+              <a:rPr lang="en-US" altLang="zh-TW" dirty="0" smtClean="0"/>
+              <a:t> Q3+1.5IQR</a:t>
+            </a:r>
+          </a:p>
+          <a:p>
+            <a:r>
+              <a:rPr lang="en-US" altLang="zh-TW" dirty="0" err="1" smtClean="0"/>
+              <a:t>LowerBound</a:t>
+            </a:r>
+            <a:r>
+              <a:rPr lang="en-US" altLang="zh-TW" dirty="0" smtClean="0"/>
+              <a:t>  Q1-1.5IQR</a:t>
+            </a:r>
+          </a:p>
+        </p:txBody>
+      </p:sp>
+    </p:spTree>
+    <p:extLst>
+      <p:ext uri="{BB962C8B-B14F-4D97-AF65-F5344CB8AC3E}">
+        <p14:creationId xmlns:p14="http://schemas.microsoft.com/office/powerpoint/2010/main" val="253422092"/>
+      </p:ext>
+    </p:extLst>
+  </p:cSld>
+  <p:clrMapOvr>
+    <a:masterClrMapping/>
+  </p:clrMapOvr>
+</p:sld>
+</file>
+
+<file path=ppt/slides/slide16.xml><?xml version="1.0" encoding="utf-8"?>
+<p:sld xmlns:a="http://schemas.openxmlformats.org/drawingml/2006/main" xmlns:r="http://schemas.openxmlformats.org/officeDocument/2006/relationships" xmlns:p="http://schemas.openxmlformats.org/presentationml/2006/main">
+  <p:cSld>
+    <p:spTree>
+      <p:nvGrpSpPr>
+        <p:cNvPr id="1" name=""/>
+        <p:cNvGrpSpPr/>
+        <p:nvPr/>
+      </p:nvGrpSpPr>
+      <p:grpSpPr>
+        <a:xfrm>
+          <a:off x="0" y="0"/>
+          <a:ext cx="0" cy="0"/>
+          <a:chOff x="0" y="0"/>
+          <a:chExt cx="0" cy="0"/>
+        </a:xfrm>
+      </p:grpSpPr>
+      <p:sp>
+        <p:nvSpPr>
+          <p:cNvPr id="2" name="標題 1"/>
+          <p:cNvSpPr>
+            <a:spLocks noGrp="1"/>
+          </p:cNvSpPr>
+          <p:nvPr>
+            <p:ph type="title"/>
+          </p:nvPr>
+        </p:nvSpPr>
+        <p:spPr/>
+        <p:txBody>
+          <a:bodyPr/>
+          <a:lstStyle/>
+          <a:p>
+            <a:endParaRPr lang="zh-TW" altLang="en-US"/>
+          </a:p>
+        </p:txBody>
+      </p:sp>
+      <p:sp>
+        <p:nvSpPr>
+          <p:cNvPr id="3" name="內容版面配置區 2"/>
+          <p:cNvSpPr>
+            <a:spLocks noGrp="1"/>
+          </p:cNvSpPr>
+          <p:nvPr>
+            <p:ph idx="1"/>
+          </p:nvPr>
+        </p:nvSpPr>
+        <p:spPr/>
+        <p:txBody>
+          <a:bodyPr/>
+          <a:lstStyle/>
+          <a:p>
+            <a:endParaRPr lang="zh-TW" altLang="en-US"/>
+          </a:p>
+        </p:txBody>
+      </p:sp>
+    </p:spTree>
+    <p:extLst>
+      <p:ext uri="{BB962C8B-B14F-4D97-AF65-F5344CB8AC3E}">
+        <p14:creationId xmlns:p14="http://schemas.microsoft.com/office/powerpoint/2010/main" val="3232438571"/>
+      </p:ext>
+    </p:extLst>
+  </p:cSld>
+  <p:clrMapOvr>
+    <a:masterClrMapping/>
+  </p:clrMapOvr>
+</p:sld>
+</file>
+
+<file path=ppt/slides/slide17.xml><?xml version="1.0" encoding="utf-8"?>
+<p:sld xmlns:a="http://schemas.openxmlformats.org/drawingml/2006/main" xmlns:r="http://schemas.openxmlformats.org/officeDocument/2006/relationships" xmlns:p="http://schemas.openxmlformats.org/presentationml/2006/main">
+  <p:cSld>
+    <p:spTree>
+      <p:nvGrpSpPr>
+        <p:cNvPr id="1" name=""/>
+        <p:cNvGrpSpPr/>
+        <p:nvPr/>
+      </p:nvGrpSpPr>
+      <p:grpSpPr>
+        <a:xfrm>
+          <a:off x="0" y="0"/>
+          <a:ext cx="0" cy="0"/>
+          <a:chOff x="0" y="0"/>
+          <a:chExt cx="0" cy="0"/>
+        </a:xfrm>
+      </p:grpSpPr>
+      <p:sp>
+        <p:nvSpPr>
+          <p:cNvPr id="2" name="標題 1"/>
+          <p:cNvSpPr>
+            <a:spLocks noGrp="1"/>
+          </p:cNvSpPr>
+          <p:nvPr>
+            <p:ph type="title"/>
+          </p:nvPr>
+        </p:nvSpPr>
+        <p:spPr/>
+        <p:txBody>
+          <a:bodyPr/>
+          <a:lstStyle/>
+          <a:p>
+            <a:endParaRPr lang="zh-TW" altLang="en-US"/>
+          </a:p>
+        </p:txBody>
+      </p:sp>
+      <p:sp>
+        <p:nvSpPr>
+          <p:cNvPr id="3" name="內容版面配置區 2"/>
+          <p:cNvSpPr>
+            <a:spLocks noGrp="1"/>
+          </p:cNvSpPr>
+          <p:nvPr>
+            <p:ph idx="1"/>
+          </p:nvPr>
+        </p:nvSpPr>
+        <p:spPr/>
+        <p:txBody>
+          <a:bodyPr/>
+          <a:lstStyle/>
+          <a:p>
+            <a:endParaRPr lang="zh-TW" altLang="en-US"/>
+          </a:p>
+        </p:txBody>
+      </p:sp>
+    </p:spTree>
+    <p:extLst>
+      <p:ext uri="{BB962C8B-B14F-4D97-AF65-F5344CB8AC3E}">
+        <p14:creationId xmlns:p14="http://schemas.microsoft.com/office/powerpoint/2010/main" val="869334165"/>
+      </p:ext>
+    </p:extLst>
+  </p:cSld>
+  <p:clrMapOvr>
+    <a:masterClrMapping/>
+  </p:clrMapOvr>
+</p:sld>
+</file>
+
 <file path=ppt/slides/slide2.xml><?xml version="1.0" encoding="utf-8"?>
 <p:sld xmlns:a="http://schemas.openxmlformats.org/drawingml/2006/main" xmlns:r="http://schemas.openxmlformats.org/officeDocument/2006/relationships" xmlns:p="http://schemas.openxmlformats.org/presentationml/2006/main">
   <p:cSld>
@@ -4415,6 +4763,40 @@
           </a:xfrm>
         </p:spPr>
       </p:pic>
+      <p:sp>
+        <p:nvSpPr>
+          <p:cNvPr id="3" name="文字方塊 2"/>
+          <p:cNvSpPr txBox="1"/>
+          <p:nvPr/>
+        </p:nvSpPr>
+        <p:spPr>
+          <a:xfrm>
+            <a:off x="9601200" y="2394065"/>
+            <a:ext cx="1539204" cy="369332"/>
+          </a:xfrm>
+          <a:prstGeom prst="rect">
+            <a:avLst/>
+          </a:prstGeom>
+          <a:noFill/>
+        </p:spPr>
+        <p:txBody>
+          <a:bodyPr wrap="none" rtlCol="0">
+            <a:spAutoFit/>
+          </a:bodyPr>
+          <a:lstStyle/>
+          <a:p>
+            <a:r>
+              <a:rPr lang="en-US" altLang="zh-TW" dirty="0" smtClean="0"/>
+              <a:t>=median(</a:t>
+            </a:r>
+            <a:r>
+              <a:rPr lang="zh-TW" altLang="en-US" dirty="0" smtClean="0"/>
+              <a:t>中數</a:t>
+            </a:r>
+            <a:endParaRPr lang="zh-TW" altLang="en-US" dirty="0"/>
+          </a:p>
+        </p:txBody>
+      </p:sp>
     </p:spTree>
     <p:extLst>
       <p:ext uri="{BB962C8B-B14F-4D97-AF65-F5344CB8AC3E}">

--- a/EXCEL0929.pptx
+++ b/EXCEL0929.pptx
@@ -22,6 +22,11 @@
     <p:sldId id="271" r:id="rId16"/>
     <p:sldId id="272" r:id="rId17"/>
     <p:sldId id="273" r:id="rId18"/>
+    <p:sldId id="274" r:id="rId19"/>
+    <p:sldId id="278" r:id="rId20"/>
+    <p:sldId id="276" r:id="rId21"/>
+    <p:sldId id="275" r:id="rId22"/>
+    <p:sldId id="277" r:id="rId23"/>
   </p:sldIdLst>
   <p:sldSz cx="12192000" cy="6858000"/>
   <p:notesSz cx="6858000" cy="9144000"/>
@@ -259,7 +264,7 @@
           <a:p>
             <a:fld id="{92D0918B-59A6-4BAC-A255-C743EF97AC97}" type="datetimeFigureOut">
               <a:rPr lang="zh-TW" altLang="en-US" smtClean="0"/>
-              <a:t>2020/10/20</a:t>
+              <a:t>2020/11/17</a:t>
             </a:fld>
             <a:endParaRPr lang="zh-TW" altLang="en-US"/>
           </a:p>
@@ -429,7 +434,7 @@
           <a:p>
             <a:fld id="{92D0918B-59A6-4BAC-A255-C743EF97AC97}" type="datetimeFigureOut">
               <a:rPr lang="zh-TW" altLang="en-US" smtClean="0"/>
-              <a:t>2020/10/20</a:t>
+              <a:t>2020/11/17</a:t>
             </a:fld>
             <a:endParaRPr lang="zh-TW" altLang="en-US"/>
           </a:p>
@@ -609,7 +614,7 @@
           <a:p>
             <a:fld id="{92D0918B-59A6-4BAC-A255-C743EF97AC97}" type="datetimeFigureOut">
               <a:rPr lang="zh-TW" altLang="en-US" smtClean="0"/>
-              <a:t>2020/10/20</a:t>
+              <a:t>2020/11/17</a:t>
             </a:fld>
             <a:endParaRPr lang="zh-TW" altLang="en-US"/>
           </a:p>
@@ -779,7 +784,7 @@
           <a:p>
             <a:fld id="{92D0918B-59A6-4BAC-A255-C743EF97AC97}" type="datetimeFigureOut">
               <a:rPr lang="zh-TW" altLang="en-US" smtClean="0"/>
-              <a:t>2020/10/20</a:t>
+              <a:t>2020/11/17</a:t>
             </a:fld>
             <a:endParaRPr lang="zh-TW" altLang="en-US"/>
           </a:p>
@@ -1025,7 +1030,7 @@
           <a:p>
             <a:fld id="{92D0918B-59A6-4BAC-A255-C743EF97AC97}" type="datetimeFigureOut">
               <a:rPr lang="zh-TW" altLang="en-US" smtClean="0"/>
-              <a:t>2020/10/20</a:t>
+              <a:t>2020/11/17</a:t>
             </a:fld>
             <a:endParaRPr lang="zh-TW" altLang="en-US"/>
           </a:p>
@@ -1257,7 +1262,7 @@
           <a:p>
             <a:fld id="{92D0918B-59A6-4BAC-A255-C743EF97AC97}" type="datetimeFigureOut">
               <a:rPr lang="zh-TW" altLang="en-US" smtClean="0"/>
-              <a:t>2020/10/20</a:t>
+              <a:t>2020/11/17</a:t>
             </a:fld>
             <a:endParaRPr lang="zh-TW" altLang="en-US"/>
           </a:p>
@@ -1624,7 +1629,7 @@
           <a:p>
             <a:fld id="{92D0918B-59A6-4BAC-A255-C743EF97AC97}" type="datetimeFigureOut">
               <a:rPr lang="zh-TW" altLang="en-US" smtClean="0"/>
-              <a:t>2020/10/20</a:t>
+              <a:t>2020/11/17</a:t>
             </a:fld>
             <a:endParaRPr lang="zh-TW" altLang="en-US"/>
           </a:p>
@@ -1742,7 +1747,7 @@
           <a:p>
             <a:fld id="{92D0918B-59A6-4BAC-A255-C743EF97AC97}" type="datetimeFigureOut">
               <a:rPr lang="zh-TW" altLang="en-US" smtClean="0"/>
-              <a:t>2020/10/20</a:t>
+              <a:t>2020/11/17</a:t>
             </a:fld>
             <a:endParaRPr lang="zh-TW" altLang="en-US"/>
           </a:p>
@@ -1837,7 +1842,7 @@
           <a:p>
             <a:fld id="{92D0918B-59A6-4BAC-A255-C743EF97AC97}" type="datetimeFigureOut">
               <a:rPr lang="zh-TW" altLang="en-US" smtClean="0"/>
-              <a:t>2020/10/20</a:t>
+              <a:t>2020/11/17</a:t>
             </a:fld>
             <a:endParaRPr lang="zh-TW" altLang="en-US"/>
           </a:p>
@@ -2114,7 +2119,7 @@
           <a:p>
             <a:fld id="{92D0918B-59A6-4BAC-A255-C743EF97AC97}" type="datetimeFigureOut">
               <a:rPr lang="zh-TW" altLang="en-US" smtClean="0"/>
-              <a:t>2020/10/20</a:t>
+              <a:t>2020/11/17</a:t>
             </a:fld>
             <a:endParaRPr lang="zh-TW" altLang="en-US"/>
           </a:p>
@@ -2367,7 +2372,7 @@
           <a:p>
             <a:fld id="{92D0918B-59A6-4BAC-A255-C743EF97AC97}" type="datetimeFigureOut">
               <a:rPr lang="zh-TW" altLang="en-US" smtClean="0"/>
-              <a:t>2020/10/20</a:t>
+              <a:t>2020/11/17</a:t>
             </a:fld>
             <a:endParaRPr lang="zh-TW" altLang="en-US"/>
           </a:p>
@@ -2580,7 +2585,7 @@
           <a:p>
             <a:fld id="{92D0918B-59A6-4BAC-A255-C743EF97AC97}" type="datetimeFigureOut">
               <a:rPr lang="zh-TW" altLang="en-US" smtClean="0"/>
-              <a:t>2020/10/20</a:t>
+              <a:t>2020/11/17</a:t>
             </a:fld>
             <a:endParaRPr lang="zh-TW" altLang="en-US"/>
           </a:p>
@@ -3891,26 +3896,113 @@
           <a:bodyPr/>
           <a:lstStyle/>
           <a:p>
-            <a:endParaRPr lang="zh-TW" altLang="en-US"/>
-          </a:p>
-        </p:txBody>
-      </p:sp>
-      <p:sp>
-        <p:nvSpPr>
-          <p:cNvPr id="3" name="內容版面配置區 2"/>
-          <p:cNvSpPr>
-            <a:spLocks noGrp="1"/>
-          </p:cNvSpPr>
+            <a:r>
+              <a:rPr lang="zh-TW" altLang="en-US" dirty="0" smtClean="0"/>
+              <a:t>階層</a:t>
+            </a:r>
+            <a:endParaRPr lang="zh-TW" altLang="en-US" dirty="0"/>
+          </a:p>
+        </p:txBody>
+      </p:sp>
+      <p:pic>
+        <p:nvPicPr>
+          <p:cNvPr id="4" name="內容版面配置區 3"/>
+          <p:cNvPicPr>
+            <a:picLocks noGrp="1" noChangeAspect="1"/>
+          </p:cNvPicPr>
           <p:nvPr>
             <p:ph idx="1"/>
           </p:nvPr>
-        </p:nvSpPr>
-        <p:spPr/>
-        <p:txBody>
-          <a:bodyPr/>
-          <a:lstStyle/>
-          <a:p>
-            <a:endParaRPr lang="zh-TW" altLang="en-US"/>
+        </p:nvPicPr>
+        <p:blipFill>
+          <a:blip r:embed="rId2">
+            <a:extLst>
+              <a:ext uri="{28A0092B-C50C-407E-A947-70E740481C1C}">
+                <a14:useLocalDpi xmlns:a14="http://schemas.microsoft.com/office/drawing/2010/main" val="0"/>
+              </a:ext>
+            </a:extLst>
+          </a:blip>
+          <a:stretch>
+            <a:fillRect/>
+          </a:stretch>
+        </p:blipFill>
+        <p:spPr>
+          <a:xfrm>
+            <a:off x="372174" y="1690688"/>
+            <a:ext cx="6442515" cy="4351338"/>
+          </a:xfrm>
+        </p:spPr>
+      </p:pic>
+      <p:sp>
+        <p:nvSpPr>
+          <p:cNvPr id="5" name="文字方塊 4"/>
+          <p:cNvSpPr txBox="1"/>
+          <p:nvPr/>
+        </p:nvSpPr>
+        <p:spPr>
+          <a:xfrm>
+            <a:off x="7475622" y="2983832"/>
+            <a:ext cx="3719288" cy="2308324"/>
+          </a:xfrm>
+          <a:prstGeom prst="rect">
+            <a:avLst/>
+          </a:prstGeom>
+          <a:noFill/>
+        </p:spPr>
+        <p:txBody>
+          <a:bodyPr wrap="none" rtlCol="0">
+            <a:spAutoFit/>
+          </a:bodyPr>
+          <a:lstStyle/>
+          <a:p>
+            <a:r>
+              <a:rPr lang="en-US" altLang="zh-TW" sz="3600" dirty="0" smtClean="0"/>
+              <a:t>Fact(n)</a:t>
+            </a:r>
+          </a:p>
+          <a:p>
+            <a:r>
+              <a:rPr lang="en-US" altLang="zh-TW" sz="3600" dirty="0" smtClean="0"/>
+              <a:t>=1*2*3*…*(n-1)*n</a:t>
+            </a:r>
+          </a:p>
+          <a:p>
+            <a:r>
+              <a:rPr lang="en-US" altLang="zh-TW" sz="3600" dirty="0" smtClean="0"/>
+              <a:t>{0! </a:t>
+            </a:r>
+            <a:r>
+              <a:rPr lang="zh-TW" altLang="en-US" sz="3600" dirty="0" smtClean="0"/>
+              <a:t>不等於</a:t>
+            </a:r>
+            <a:r>
+              <a:rPr lang="en-US" altLang="zh-TW" sz="3600" dirty="0" smtClean="0"/>
+              <a:t>0</a:t>
+            </a:r>
+            <a:endParaRPr lang="en-US" altLang="zh-TW" sz="3600" dirty="0"/>
+          </a:p>
+          <a:p>
+            <a:r>
+              <a:rPr lang="en-US" altLang="zh-TW" sz="3600" dirty="0" smtClean="0"/>
+              <a:t>0!</a:t>
+            </a:r>
+            <a:r>
+              <a:rPr lang="zh-TW" altLang="en-US" sz="3600" dirty="0" smtClean="0"/>
+              <a:t> </a:t>
+            </a:r>
+            <a:r>
+              <a:rPr lang="en-US" altLang="zh-TW" sz="3600" dirty="0" smtClean="0"/>
+              <a:t>=</a:t>
+            </a:r>
+            <a:r>
+              <a:rPr lang="zh-TW" altLang="en-US" sz="3600" dirty="0" smtClean="0"/>
+              <a:t> </a:t>
+            </a:r>
+            <a:r>
+              <a:rPr lang="en-US" altLang="zh-TW" sz="3600" dirty="0" smtClean="0"/>
+              <a:t>1}</a:t>
+            </a:r>
+            <a:endParaRPr lang="zh-TW" altLang="en-US" sz="3600" dirty="0"/>
           </a:p>
         </p:txBody>
       </p:sp>
@@ -3963,22 +4055,134 @@
           </a:p>
         </p:txBody>
       </p:sp>
-      <p:sp>
-        <p:nvSpPr>
-          <p:cNvPr id="3" name="內容版面配置區 2"/>
-          <p:cNvSpPr>
-            <a:spLocks noGrp="1"/>
-          </p:cNvSpPr>
+      <p:pic>
+        <p:nvPicPr>
+          <p:cNvPr id="4" name="內容版面配置區 3"/>
+          <p:cNvPicPr>
+            <a:picLocks noGrp="1" noChangeAspect="1"/>
+          </p:cNvPicPr>
           <p:nvPr>
             <p:ph idx="1"/>
           </p:nvPr>
-        </p:nvSpPr>
-        <p:spPr/>
-        <p:txBody>
-          <a:bodyPr/>
-          <a:lstStyle/>
-          <a:p>
-            <a:endParaRPr lang="zh-TW" altLang="en-US"/>
+        </p:nvPicPr>
+        <p:blipFill>
+          <a:blip r:embed="rId2">
+            <a:extLst>
+              <a:ext uri="{28A0092B-C50C-407E-A947-70E740481C1C}">
+                <a14:useLocalDpi xmlns:a14="http://schemas.microsoft.com/office/drawing/2010/main" val="0"/>
+              </a:ext>
+            </a:extLst>
+          </a:blip>
+          <a:stretch>
+            <a:fillRect/>
+          </a:stretch>
+        </p:blipFill>
+        <p:spPr>
+          <a:xfrm>
+            <a:off x="838200" y="2109828"/>
+            <a:ext cx="5653366" cy="3071771"/>
+          </a:xfrm>
+        </p:spPr>
+      </p:pic>
+      <p:sp>
+        <p:nvSpPr>
+          <p:cNvPr id="5" name="文字方塊 4"/>
+          <p:cNvSpPr txBox="1"/>
+          <p:nvPr/>
+        </p:nvSpPr>
+        <p:spPr>
+          <a:xfrm>
+            <a:off x="7331244" y="2319277"/>
+            <a:ext cx="3098925" cy="2862322"/>
+          </a:xfrm>
+          <a:prstGeom prst="rect">
+            <a:avLst/>
+          </a:prstGeom>
+          <a:noFill/>
+        </p:spPr>
+        <p:txBody>
+          <a:bodyPr wrap="none" rtlCol="0">
+            <a:spAutoFit/>
+          </a:bodyPr>
+          <a:lstStyle/>
+          <a:p>
+            <a:r>
+              <a:rPr lang="zh-TW" altLang="en-US" sz="3600" dirty="0" smtClean="0"/>
+              <a:t>階層公式</a:t>
+            </a:r>
+            <a:endParaRPr lang="en-US" altLang="zh-TW" sz="3600" dirty="0" smtClean="0"/>
+          </a:p>
+          <a:p>
+            <a:r>
+              <a:rPr lang="en-US" altLang="zh-TW" sz="3600" dirty="0" smtClean="0"/>
+              <a:t>=Fact(n)</a:t>
+            </a:r>
+          </a:p>
+          <a:p>
+            <a:r>
+              <a:rPr lang="zh-TW" altLang="en-US" sz="3600" dirty="0" smtClean="0"/>
+              <a:t>階層除法</a:t>
+            </a:r>
+            <a:endParaRPr lang="en-US" altLang="zh-TW" sz="3600" dirty="0" smtClean="0"/>
+          </a:p>
+          <a:p>
+            <a:r>
+              <a:rPr lang="en-US" altLang="zh-TW" sz="3600" dirty="0" smtClean="0"/>
+              <a:t>=PERMUT(</a:t>
+            </a:r>
+            <a:r>
+              <a:rPr lang="en-US" altLang="zh-TW" sz="3600" dirty="0" err="1" smtClean="0"/>
+              <a:t>n,r</a:t>
+            </a:r>
+            <a:r>
+              <a:rPr lang="en-US" altLang="zh-TW" sz="3600" dirty="0" smtClean="0"/>
+              <a:t>)</a:t>
+            </a:r>
+          </a:p>
+          <a:p>
+            <a:r>
+              <a:rPr lang="en-US" altLang="zh-TW" sz="3600" dirty="0" smtClean="0"/>
+              <a:t>{ </a:t>
+            </a:r>
+            <a:r>
+              <a:rPr lang="en-US" altLang="zh-TW" sz="3600" dirty="0" err="1" smtClean="0"/>
+              <a:t>nPr</a:t>
+            </a:r>
+            <a:r>
+              <a:rPr lang="en-US" altLang="zh-TW" sz="3600" dirty="0" smtClean="0"/>
+              <a:t>=n!/(n-r)! }</a:t>
+            </a:r>
+            <a:endParaRPr lang="zh-TW" altLang="en-US" sz="3600" dirty="0"/>
+          </a:p>
+        </p:txBody>
+      </p:sp>
+      <p:sp>
+        <p:nvSpPr>
+          <p:cNvPr id="6" name="文字方塊 5"/>
+          <p:cNvSpPr txBox="1"/>
+          <p:nvPr/>
+        </p:nvSpPr>
+        <p:spPr>
+          <a:xfrm>
+            <a:off x="1925051" y="5416072"/>
+            <a:ext cx="3304675" cy="707886"/>
+          </a:xfrm>
+          <a:prstGeom prst="rect">
+            <a:avLst/>
+          </a:prstGeom>
+          <a:noFill/>
+        </p:spPr>
+        <p:txBody>
+          <a:bodyPr wrap="square" rtlCol="0">
+            <a:spAutoFit/>
+          </a:bodyPr>
+          <a:lstStyle/>
+          <a:p>
+            <a:r>
+              <a:rPr lang="en-US" altLang="zh-TW" sz="4000" dirty="0" smtClean="0"/>
+              <a:t>10!/(10-4)!</a:t>
+            </a:r>
+            <a:endParaRPr lang="zh-TW" altLang="en-US" sz="4000" dirty="0"/>
           </a:p>
         </p:txBody>
       </p:sp>
@@ -3986,6 +4190,222 @@
     <p:extLst>
       <p:ext uri="{BB962C8B-B14F-4D97-AF65-F5344CB8AC3E}">
         <p14:creationId xmlns:p14="http://schemas.microsoft.com/office/powerpoint/2010/main" val="869334165"/>
+      </p:ext>
+    </p:extLst>
+  </p:cSld>
+  <p:clrMapOvr>
+    <a:masterClrMapping/>
+  </p:clrMapOvr>
+</p:sld>
+</file>
+
+<file path=ppt/slides/slide18.xml><?xml version="1.0" encoding="utf-8"?>
+<p:sld xmlns:a="http://schemas.openxmlformats.org/drawingml/2006/main" xmlns:r="http://schemas.openxmlformats.org/officeDocument/2006/relationships" xmlns:p="http://schemas.openxmlformats.org/presentationml/2006/main">
+  <p:cSld>
+    <p:spTree>
+      <p:nvGrpSpPr>
+        <p:cNvPr id="1" name=""/>
+        <p:cNvGrpSpPr/>
+        <p:nvPr/>
+      </p:nvGrpSpPr>
+      <p:grpSpPr>
+        <a:xfrm>
+          <a:off x="0" y="0"/>
+          <a:ext cx="0" cy="0"/>
+          <a:chOff x="0" y="0"/>
+          <a:chExt cx="0" cy="0"/>
+        </a:xfrm>
+      </p:grpSpPr>
+      <p:sp>
+        <p:nvSpPr>
+          <p:cNvPr id="4" name="文字方塊 3"/>
+          <p:cNvSpPr txBox="1"/>
+          <p:nvPr/>
+        </p:nvSpPr>
+        <p:spPr>
+          <a:xfrm>
+            <a:off x="7844590" y="1337514"/>
+            <a:ext cx="3637534" cy="1200329"/>
+          </a:xfrm>
+          <a:prstGeom prst="rect">
+            <a:avLst/>
+          </a:prstGeom>
+          <a:noFill/>
+        </p:spPr>
+        <p:txBody>
+          <a:bodyPr wrap="none" rtlCol="0">
+            <a:spAutoFit/>
+          </a:bodyPr>
+          <a:lstStyle/>
+          <a:p>
+            <a:r>
+              <a:rPr lang="en-US" altLang="zh-TW" sz="3600" dirty="0" smtClean="0"/>
+              <a:t>Combine(</a:t>
+            </a:r>
+            <a:r>
+              <a:rPr lang="en-US" altLang="zh-TW" sz="3600" dirty="0" err="1" smtClean="0"/>
+              <a:t>n,r</a:t>
+            </a:r>
+            <a:r>
+              <a:rPr lang="en-US" altLang="zh-TW" sz="3600" dirty="0" smtClean="0"/>
+              <a:t>)</a:t>
+            </a:r>
+          </a:p>
+          <a:p>
+            <a:r>
+              <a:rPr lang="en-US" altLang="zh-TW" sz="3600" dirty="0" err="1" smtClean="0"/>
+              <a:t>nCr</a:t>
+            </a:r>
+            <a:r>
+              <a:rPr lang="en-US" altLang="zh-TW" sz="3600" dirty="0" smtClean="0"/>
+              <a:t> = n!/[r!*(n-r)!]</a:t>
+            </a:r>
+            <a:endParaRPr lang="zh-TW" altLang="en-US" sz="3600" dirty="0"/>
+          </a:p>
+        </p:txBody>
+      </p:sp>
+      <p:pic>
+        <p:nvPicPr>
+          <p:cNvPr id="5" name="圖片 4"/>
+          <p:cNvPicPr>
+            <a:picLocks noChangeAspect="1"/>
+          </p:cNvPicPr>
+          <p:nvPr/>
+        </p:nvPicPr>
+        <p:blipFill>
+          <a:blip r:embed="rId2">
+            <a:extLst>
+              <a:ext uri="{28A0092B-C50C-407E-A947-70E740481C1C}">
+                <a14:useLocalDpi xmlns:a14="http://schemas.microsoft.com/office/drawing/2010/main" val="0"/>
+              </a:ext>
+            </a:extLst>
+          </a:blip>
+          <a:stretch>
+            <a:fillRect/>
+          </a:stretch>
+        </p:blipFill>
+        <p:spPr>
+          <a:xfrm>
+            <a:off x="684797" y="1504542"/>
+            <a:ext cx="6165182" cy="1620336"/>
+          </a:xfrm>
+          <a:prstGeom prst="rect">
+            <a:avLst/>
+          </a:prstGeom>
+        </p:spPr>
+      </p:pic>
+      <p:sp>
+        <p:nvSpPr>
+          <p:cNvPr id="6" name="文字方塊 5"/>
+          <p:cNvSpPr txBox="1"/>
+          <p:nvPr/>
+        </p:nvSpPr>
+        <p:spPr>
+          <a:xfrm>
+            <a:off x="2310063" y="4636168"/>
+            <a:ext cx="1620957" cy="523220"/>
+          </a:xfrm>
+          <a:prstGeom prst="rect">
+            <a:avLst/>
+          </a:prstGeom>
+          <a:noFill/>
+        </p:spPr>
+        <p:txBody>
+          <a:bodyPr wrap="none" rtlCol="0">
+            <a:spAutoFit/>
+          </a:bodyPr>
+          <a:lstStyle/>
+          <a:p>
+            <a:r>
+              <a:rPr lang="en-US" altLang="zh-TW" sz="2800" dirty="0" smtClean="0"/>
+              <a:t>5!/(3!*2!)</a:t>
+            </a:r>
+            <a:endParaRPr lang="zh-TW" altLang="en-US" sz="2800" dirty="0"/>
+          </a:p>
+        </p:txBody>
+      </p:sp>
+    </p:spTree>
+    <p:extLst>
+      <p:ext uri="{BB962C8B-B14F-4D97-AF65-F5344CB8AC3E}">
+        <p14:creationId xmlns:p14="http://schemas.microsoft.com/office/powerpoint/2010/main" val="4896133"/>
+      </p:ext>
+    </p:extLst>
+  </p:cSld>
+  <p:clrMapOvr>
+    <a:masterClrMapping/>
+  </p:clrMapOvr>
+</p:sld>
+</file>
+
+<file path=ppt/slides/slide19.xml><?xml version="1.0" encoding="utf-8"?>
+<p:sld xmlns:a="http://schemas.openxmlformats.org/drawingml/2006/main" xmlns:r="http://schemas.openxmlformats.org/officeDocument/2006/relationships" xmlns:p="http://schemas.openxmlformats.org/presentationml/2006/main">
+  <p:cSld>
+    <p:spTree>
+      <p:nvGrpSpPr>
+        <p:cNvPr id="1" name=""/>
+        <p:cNvGrpSpPr/>
+        <p:nvPr/>
+      </p:nvGrpSpPr>
+      <p:grpSpPr>
+        <a:xfrm>
+          <a:off x="0" y="0"/>
+          <a:ext cx="0" cy="0"/>
+          <a:chOff x="0" y="0"/>
+          <a:chExt cx="0" cy="0"/>
+        </a:xfrm>
+      </p:grpSpPr>
+      <p:sp>
+        <p:nvSpPr>
+          <p:cNvPr id="2" name="標題 1"/>
+          <p:cNvSpPr>
+            <a:spLocks noGrp="1"/>
+          </p:cNvSpPr>
+          <p:nvPr>
+            <p:ph type="title"/>
+          </p:nvPr>
+        </p:nvSpPr>
+        <p:spPr/>
+        <p:txBody>
+          <a:bodyPr/>
+          <a:lstStyle/>
+          <a:p>
+            <a:endParaRPr lang="zh-TW" altLang="en-US"/>
+          </a:p>
+        </p:txBody>
+      </p:sp>
+      <p:pic>
+        <p:nvPicPr>
+          <p:cNvPr id="4" name="內容版面配置區 3"/>
+          <p:cNvPicPr>
+            <a:picLocks noGrp="1" noChangeAspect="1"/>
+          </p:cNvPicPr>
+          <p:nvPr>
+            <p:ph idx="1"/>
+          </p:nvPr>
+        </p:nvPicPr>
+        <p:blipFill>
+          <a:blip r:embed="rId2">
+            <a:extLst>
+              <a:ext uri="{28A0092B-C50C-407E-A947-70E740481C1C}">
+                <a14:useLocalDpi xmlns:a14="http://schemas.microsoft.com/office/drawing/2010/main" val="0"/>
+              </a:ext>
+            </a:extLst>
+          </a:blip>
+          <a:stretch>
+            <a:fillRect/>
+          </a:stretch>
+        </p:blipFill>
+        <p:spPr>
+          <a:xfrm>
+            <a:off x="1780172" y="1690688"/>
+            <a:ext cx="8631655" cy="4455048"/>
+          </a:xfrm>
+        </p:spPr>
+      </p:pic>
+    </p:spTree>
+    <p:extLst>
+      <p:ext uri="{BB962C8B-B14F-4D97-AF65-F5344CB8AC3E}">
+        <p14:creationId xmlns:p14="http://schemas.microsoft.com/office/powerpoint/2010/main" val="2002247336"/>
       </p:ext>
     </p:extLst>
   </p:cSld>
@@ -4263,6 +4683,227 @@
     <p:extLst>
       <p:ext uri="{BB962C8B-B14F-4D97-AF65-F5344CB8AC3E}">
         <p14:creationId xmlns:p14="http://schemas.microsoft.com/office/powerpoint/2010/main" val="2172008903"/>
+      </p:ext>
+    </p:extLst>
+  </p:cSld>
+  <p:clrMapOvr>
+    <a:masterClrMapping/>
+  </p:clrMapOvr>
+</p:sld>
+</file>
+
+<file path=ppt/slides/slide20.xml><?xml version="1.0" encoding="utf-8"?>
+<p:sld xmlns:a="http://schemas.openxmlformats.org/drawingml/2006/main" xmlns:r="http://schemas.openxmlformats.org/officeDocument/2006/relationships" xmlns:p="http://schemas.openxmlformats.org/presentationml/2006/main">
+  <p:cSld>
+    <p:spTree>
+      <p:nvGrpSpPr>
+        <p:cNvPr id="1" name=""/>
+        <p:cNvGrpSpPr/>
+        <p:nvPr/>
+      </p:nvGrpSpPr>
+      <p:grpSpPr>
+        <a:xfrm>
+          <a:off x="0" y="0"/>
+          <a:ext cx="0" cy="0"/>
+          <a:chOff x="0" y="0"/>
+          <a:chExt cx="0" cy="0"/>
+        </a:xfrm>
+      </p:grpSpPr>
+      <p:sp>
+        <p:nvSpPr>
+          <p:cNvPr id="2" name="標題 1"/>
+          <p:cNvSpPr>
+            <a:spLocks noGrp="1"/>
+          </p:cNvSpPr>
+          <p:nvPr>
+            <p:ph type="title"/>
+          </p:nvPr>
+        </p:nvSpPr>
+        <p:spPr/>
+        <p:txBody>
+          <a:bodyPr/>
+          <a:lstStyle/>
+          <a:p>
+            <a:r>
+              <a:rPr lang="zh-TW" altLang="en-US" dirty="0" smtClean="0"/>
+              <a:t>標準</a:t>
+            </a:r>
+            <a:r>
+              <a:rPr lang="zh-TW" altLang="en-US" dirty="0"/>
+              <a:t>差</a:t>
+            </a:r>
+          </a:p>
+        </p:txBody>
+      </p:sp>
+      <p:pic>
+        <p:nvPicPr>
+          <p:cNvPr id="4" name="內容版面配置區 3"/>
+          <p:cNvPicPr>
+            <a:picLocks noGrp="1" noChangeAspect="1"/>
+          </p:cNvPicPr>
+          <p:nvPr>
+            <p:ph idx="1"/>
+          </p:nvPr>
+        </p:nvPicPr>
+        <p:blipFill>
+          <a:blip r:embed="rId2">
+            <a:extLst>
+              <a:ext uri="{28A0092B-C50C-407E-A947-70E740481C1C}">
+                <a14:useLocalDpi xmlns:a14="http://schemas.microsoft.com/office/drawing/2010/main" val="0"/>
+              </a:ext>
+            </a:extLst>
+          </a:blip>
+          <a:stretch>
+            <a:fillRect/>
+          </a:stretch>
+        </p:blipFill>
+        <p:spPr>
+          <a:xfrm>
+            <a:off x="987091" y="1871453"/>
+            <a:ext cx="5886450" cy="3457575"/>
+          </a:xfrm>
+        </p:spPr>
+      </p:pic>
+    </p:spTree>
+    <p:extLst>
+      <p:ext uri="{BB962C8B-B14F-4D97-AF65-F5344CB8AC3E}">
+        <p14:creationId xmlns:p14="http://schemas.microsoft.com/office/powerpoint/2010/main" val="1286704668"/>
+      </p:ext>
+    </p:extLst>
+  </p:cSld>
+  <p:clrMapOvr>
+    <a:masterClrMapping/>
+  </p:clrMapOvr>
+</p:sld>
+</file>
+
+<file path=ppt/slides/slide21.xml><?xml version="1.0" encoding="utf-8"?>
+<p:sld xmlns:a="http://schemas.openxmlformats.org/drawingml/2006/main" xmlns:r="http://schemas.openxmlformats.org/officeDocument/2006/relationships" xmlns:p="http://schemas.openxmlformats.org/presentationml/2006/main">
+  <p:cSld>
+    <p:spTree>
+      <p:nvGrpSpPr>
+        <p:cNvPr id="1" name=""/>
+        <p:cNvGrpSpPr/>
+        <p:nvPr/>
+      </p:nvGrpSpPr>
+      <p:grpSpPr>
+        <a:xfrm>
+          <a:off x="0" y="0"/>
+          <a:ext cx="0" cy="0"/>
+          <a:chOff x="0" y="0"/>
+          <a:chExt cx="0" cy="0"/>
+        </a:xfrm>
+      </p:grpSpPr>
+      <p:sp>
+        <p:nvSpPr>
+          <p:cNvPr id="2" name="標題 1"/>
+          <p:cNvSpPr>
+            <a:spLocks noGrp="1"/>
+          </p:cNvSpPr>
+          <p:nvPr>
+            <p:ph type="title"/>
+          </p:nvPr>
+        </p:nvSpPr>
+        <p:spPr/>
+        <p:txBody>
+          <a:bodyPr/>
+          <a:lstStyle/>
+          <a:p>
+            <a:endParaRPr lang="zh-TW" altLang="en-US"/>
+          </a:p>
+        </p:txBody>
+      </p:sp>
+      <p:sp>
+        <p:nvSpPr>
+          <p:cNvPr id="3" name="內容版面配置區 2"/>
+          <p:cNvSpPr>
+            <a:spLocks noGrp="1"/>
+          </p:cNvSpPr>
+          <p:nvPr>
+            <p:ph idx="1"/>
+          </p:nvPr>
+        </p:nvSpPr>
+        <p:spPr/>
+        <p:txBody>
+          <a:bodyPr/>
+          <a:lstStyle/>
+          <a:p>
+            <a:endParaRPr lang="zh-TW" altLang="en-US"/>
+          </a:p>
+        </p:txBody>
+      </p:sp>
+    </p:spTree>
+    <p:extLst>
+      <p:ext uri="{BB962C8B-B14F-4D97-AF65-F5344CB8AC3E}">
+        <p14:creationId xmlns:p14="http://schemas.microsoft.com/office/powerpoint/2010/main" val="1675854100"/>
+      </p:ext>
+    </p:extLst>
+  </p:cSld>
+  <p:clrMapOvr>
+    <a:masterClrMapping/>
+  </p:clrMapOvr>
+</p:sld>
+</file>
+
+<file path=ppt/slides/slide22.xml><?xml version="1.0" encoding="utf-8"?>
+<p:sld xmlns:a="http://schemas.openxmlformats.org/drawingml/2006/main" xmlns:r="http://schemas.openxmlformats.org/officeDocument/2006/relationships" xmlns:p="http://schemas.openxmlformats.org/presentationml/2006/main">
+  <p:cSld>
+    <p:spTree>
+      <p:nvGrpSpPr>
+        <p:cNvPr id="1" name=""/>
+        <p:cNvGrpSpPr/>
+        <p:nvPr/>
+      </p:nvGrpSpPr>
+      <p:grpSpPr>
+        <a:xfrm>
+          <a:off x="0" y="0"/>
+          <a:ext cx="0" cy="0"/>
+          <a:chOff x="0" y="0"/>
+          <a:chExt cx="0" cy="0"/>
+        </a:xfrm>
+      </p:grpSpPr>
+      <p:sp>
+        <p:nvSpPr>
+          <p:cNvPr id="2" name="標題 1"/>
+          <p:cNvSpPr>
+            <a:spLocks noGrp="1"/>
+          </p:cNvSpPr>
+          <p:nvPr>
+            <p:ph type="title"/>
+          </p:nvPr>
+        </p:nvSpPr>
+        <p:spPr/>
+        <p:txBody>
+          <a:bodyPr/>
+          <a:lstStyle/>
+          <a:p>
+            <a:endParaRPr lang="zh-TW" altLang="en-US"/>
+          </a:p>
+        </p:txBody>
+      </p:sp>
+      <p:sp>
+        <p:nvSpPr>
+          <p:cNvPr id="3" name="內容版面配置區 2"/>
+          <p:cNvSpPr>
+            <a:spLocks noGrp="1"/>
+          </p:cNvSpPr>
+          <p:nvPr>
+            <p:ph idx="1"/>
+          </p:nvPr>
+        </p:nvSpPr>
+        <p:spPr/>
+        <p:txBody>
+          <a:bodyPr/>
+          <a:lstStyle/>
+          <a:p>
+            <a:endParaRPr lang="zh-TW" altLang="en-US"/>
+          </a:p>
+        </p:txBody>
+      </p:sp>
+    </p:spTree>
+    <p:extLst>
+      <p:ext uri="{BB962C8B-B14F-4D97-AF65-F5344CB8AC3E}">
+        <p14:creationId xmlns:p14="http://schemas.microsoft.com/office/powerpoint/2010/main" val="48681593"/>
       </p:ext>
     </p:extLst>
   </p:cSld>
